--- a/Discussion/Presentation.pptx
+++ b/Discussion/Presentation.pptx
@@ -110,6 +110,11 @@
       </a:defRPr>
     </a:lvl9pPr>
   </p:defaultTextStyle>
+  <p:extLst>
+    <p:ext uri="{EFAFB233-063F-42B5-8137-9DF3F51BA10A}">
+      <p15:sldGuideLst xmlns:p15="http://schemas.microsoft.com/office/powerpoint/2012/main"/>
+    </p:ext>
+  </p:extLst>
 </p:presentation>
 </file>
 
@@ -170,7 +175,7 @@
           <a:noFill/>
           <a:extLst>
             <a:ext uri="{909E8E84-426E-40dd-AFC4-6F175D3DCCD1}">
-              <a14:hiddenFill xmlns:a14="http://schemas.microsoft.com/office/drawing/2010/main" xmlns="">
+              <a14:hiddenFill xmlns="" xmlns:a14="http://schemas.microsoft.com/office/drawing/2010/main">
                 <a:solidFill>
                   <a:srgbClr val="FFFFFF"/>
                 </a:solidFill>
@@ -229,7 +234,7 @@
             </a:ln>
             <a:extLst>
               <a:ext uri="{91240B29-F687-4f45-9708-019B960494DF}">
-                <a14:hiddenLine xmlns:a14="http://schemas.microsoft.com/office/drawing/2010/main" xmlns="" w="9525">
+                <a14:hiddenLine xmlns="" xmlns:a14="http://schemas.microsoft.com/office/drawing/2010/main" w="9525">
                   <a:solidFill>
                     <a:srgbClr val="000000"/>
                   </a:solidFill>
@@ -319,7 +324,7 @@
             </a:ln>
             <a:extLst>
               <a:ext uri="{91240B29-F687-4f45-9708-019B960494DF}">
-                <a14:hiddenLine xmlns:a14="http://schemas.microsoft.com/office/drawing/2010/main" xmlns="" w="9525">
+                <a14:hiddenLine xmlns="" xmlns:a14="http://schemas.microsoft.com/office/drawing/2010/main" w="9525">
                   <a:solidFill>
                     <a:srgbClr val="000000"/>
                   </a:solidFill>
@@ -409,7 +414,7 @@
             </a:ln>
             <a:extLst>
               <a:ext uri="{91240B29-F687-4f45-9708-019B960494DF}">
-                <a14:hiddenLine xmlns:a14="http://schemas.microsoft.com/office/drawing/2010/main" xmlns="" w="9525">
+                <a14:hiddenLine xmlns="" xmlns:a14="http://schemas.microsoft.com/office/drawing/2010/main" w="9525">
                   <a:solidFill>
                     <a:srgbClr val="000000"/>
                   </a:solidFill>
@@ -443,7 +448,7 @@
             </a:ln>
             <a:extLst>
               <a:ext uri="{91240B29-F687-4f45-9708-019B960494DF}">
-                <a14:hiddenLine xmlns:a14="http://schemas.microsoft.com/office/drawing/2010/main" xmlns="" w="9525">
+                <a14:hiddenLine xmlns="" xmlns:a14="http://schemas.microsoft.com/office/drawing/2010/main" w="9525">
                   <a:solidFill>
                     <a:srgbClr val="000000"/>
                   </a:solidFill>
@@ -533,7 +538,7 @@
             </a:ln>
             <a:extLst>
               <a:ext uri="{91240B29-F687-4f45-9708-019B960494DF}">
-                <a14:hiddenLine xmlns:a14="http://schemas.microsoft.com/office/drawing/2010/main" xmlns="" w="9525">
+                <a14:hiddenLine xmlns="" xmlns:a14="http://schemas.microsoft.com/office/drawing/2010/main" w="9525">
                   <a:solidFill>
                     <a:srgbClr val="000000"/>
                   </a:solidFill>
@@ -595,7 +600,7 @@
             </a:ln>
             <a:extLst>
               <a:ext uri="{91240B29-F687-4f45-9708-019B960494DF}">
-                <a14:hiddenLine xmlns:a14="http://schemas.microsoft.com/office/drawing/2010/main" xmlns="" w="9525">
+                <a14:hiddenLine xmlns="" xmlns:a14="http://schemas.microsoft.com/office/drawing/2010/main" w="9525">
                   <a:solidFill>
                     <a:srgbClr val="000000"/>
                   </a:solidFill>
@@ -657,7 +662,7 @@
             </a:ln>
             <a:extLst>
               <a:ext uri="{91240B29-F687-4f45-9708-019B960494DF}">
-                <a14:hiddenLine xmlns:a14="http://schemas.microsoft.com/office/drawing/2010/main" xmlns="" w="9525">
+                <a14:hiddenLine xmlns="" xmlns:a14="http://schemas.microsoft.com/office/drawing/2010/main" w="9525">
                   <a:solidFill>
                     <a:srgbClr val="000000"/>
                   </a:solidFill>
@@ -747,7 +752,7 @@
             </a:ln>
             <a:extLst>
               <a:ext uri="{91240B29-F687-4f45-9708-019B960494DF}">
-                <a14:hiddenLine xmlns:a14="http://schemas.microsoft.com/office/drawing/2010/main" xmlns="" w="9525">
+                <a14:hiddenLine xmlns="" xmlns:a14="http://schemas.microsoft.com/office/drawing/2010/main" w="9525">
                   <a:solidFill>
                     <a:srgbClr val="000000"/>
                   </a:solidFill>
@@ -809,7 +814,7 @@
             </a:ln>
             <a:extLst>
               <a:ext uri="{91240B29-F687-4f45-9708-019B960494DF}">
-                <a14:hiddenLine xmlns:a14="http://schemas.microsoft.com/office/drawing/2010/main" xmlns="" w="9525">
+                <a14:hiddenLine xmlns="" xmlns:a14="http://schemas.microsoft.com/office/drawing/2010/main" w="9525">
                   <a:solidFill>
                     <a:srgbClr val="000000"/>
                   </a:solidFill>
@@ -871,7 +876,7 @@
             </a:ln>
             <a:extLst>
               <a:ext uri="{91240B29-F687-4f45-9708-019B960494DF}">
-                <a14:hiddenLine xmlns:a14="http://schemas.microsoft.com/office/drawing/2010/main" xmlns="" w="9525">
+                <a14:hiddenLine xmlns="" xmlns:a14="http://schemas.microsoft.com/office/drawing/2010/main" w="9525">
                   <a:solidFill>
                     <a:srgbClr val="000000"/>
                   </a:solidFill>
@@ -961,7 +966,7 @@
             </a:ln>
             <a:extLst>
               <a:ext uri="{91240B29-F687-4f45-9708-019B960494DF}">
-                <a14:hiddenLine xmlns:a14="http://schemas.microsoft.com/office/drawing/2010/main" xmlns="" w="9525">
+                <a14:hiddenLine xmlns="" xmlns:a14="http://schemas.microsoft.com/office/drawing/2010/main" w="9525">
                   <a:solidFill>
                     <a:srgbClr val="000000"/>
                   </a:solidFill>
@@ -1051,7 +1056,7 @@
             </a:ln>
             <a:extLst>
               <a:ext uri="{91240B29-F687-4f45-9708-019B960494DF}">
-                <a14:hiddenLine xmlns:a14="http://schemas.microsoft.com/office/drawing/2010/main" xmlns="" w="9525">
+                <a14:hiddenLine xmlns="" xmlns:a14="http://schemas.microsoft.com/office/drawing/2010/main" w="9525">
                   <a:solidFill>
                     <a:srgbClr val="000000"/>
                   </a:solidFill>
@@ -1113,7 +1118,7 @@
             </a:ln>
             <a:extLst>
               <a:ext uri="{91240B29-F687-4f45-9708-019B960494DF}">
-                <a14:hiddenLine xmlns:a14="http://schemas.microsoft.com/office/drawing/2010/main" xmlns="" w="9525">
+                <a14:hiddenLine xmlns="" xmlns:a14="http://schemas.microsoft.com/office/drawing/2010/main" w="9525">
                   <a:solidFill>
                     <a:srgbClr val="000000"/>
                   </a:solidFill>
@@ -1223,7 +1228,7 @@
             </a:ln>
             <a:extLst>
               <a:ext uri="{91240B29-F687-4f45-9708-019B960494DF}">
-                <a14:hiddenLine xmlns:a14="http://schemas.microsoft.com/office/drawing/2010/main" xmlns="" w="9525">
+                <a14:hiddenLine xmlns="" xmlns:a14="http://schemas.microsoft.com/office/drawing/2010/main" w="9525">
                   <a:solidFill>
                     <a:srgbClr val="000000"/>
                   </a:solidFill>
@@ -1285,7 +1290,7 @@
             </a:ln>
             <a:extLst>
               <a:ext uri="{91240B29-F687-4f45-9708-019B960494DF}">
-                <a14:hiddenLine xmlns:a14="http://schemas.microsoft.com/office/drawing/2010/main" xmlns="" w="9525">
+                <a14:hiddenLine xmlns="" xmlns:a14="http://schemas.microsoft.com/office/drawing/2010/main" w="9525">
                   <a:solidFill>
                     <a:srgbClr val="000000"/>
                   </a:solidFill>
@@ -1375,7 +1380,7 @@
             </a:ln>
             <a:extLst>
               <a:ext uri="{91240B29-F687-4f45-9708-019B960494DF}">
-                <a14:hiddenLine xmlns:a14="http://schemas.microsoft.com/office/drawing/2010/main" xmlns="" w="9525">
+                <a14:hiddenLine xmlns="" xmlns:a14="http://schemas.microsoft.com/office/drawing/2010/main" w="9525">
                   <a:solidFill>
                     <a:srgbClr val="000000"/>
                   </a:solidFill>
@@ -1465,7 +1470,7 @@
             </a:ln>
             <a:extLst>
               <a:ext uri="{91240B29-F687-4f45-9708-019B960494DF}">
-                <a14:hiddenLine xmlns:a14="http://schemas.microsoft.com/office/drawing/2010/main" xmlns="" w="9525">
+                <a14:hiddenLine xmlns="" xmlns:a14="http://schemas.microsoft.com/office/drawing/2010/main" w="9525">
                   <a:solidFill>
                     <a:srgbClr val="000000"/>
                   </a:solidFill>
@@ -1527,7 +1532,7 @@
             </a:ln>
             <a:extLst>
               <a:ext uri="{91240B29-F687-4f45-9708-019B960494DF}">
-                <a14:hiddenLine xmlns:a14="http://schemas.microsoft.com/office/drawing/2010/main" xmlns="" w="9525">
+                <a14:hiddenLine xmlns="" xmlns:a14="http://schemas.microsoft.com/office/drawing/2010/main" w="9525">
                   <a:solidFill>
                     <a:srgbClr val="000000"/>
                   </a:solidFill>
@@ -1617,7 +1622,7 @@
             </a:ln>
             <a:extLst>
               <a:ext uri="{91240B29-F687-4f45-9708-019B960494DF}">
-                <a14:hiddenLine xmlns:a14="http://schemas.microsoft.com/office/drawing/2010/main" xmlns="" w="9525">
+                <a14:hiddenLine xmlns="" xmlns:a14="http://schemas.microsoft.com/office/drawing/2010/main" w="9525">
                   <a:solidFill>
                     <a:srgbClr val="000000"/>
                   </a:solidFill>
@@ -1707,7 +1712,7 @@
             </a:ln>
             <a:extLst>
               <a:ext uri="{91240B29-F687-4f45-9708-019B960494DF}">
-                <a14:hiddenLine xmlns:a14="http://schemas.microsoft.com/office/drawing/2010/main" xmlns="" w="9525">
+                <a14:hiddenLine xmlns="" xmlns:a14="http://schemas.microsoft.com/office/drawing/2010/main" w="9525">
                   <a:solidFill>
                     <a:srgbClr val="000000"/>
                   </a:solidFill>
@@ -1763,7 +1768,7 @@
             </a:ln>
             <a:extLst>
               <a:ext uri="{91240B29-F687-4f45-9708-019B960494DF}">
-                <a14:hiddenLine xmlns:a14="http://schemas.microsoft.com/office/drawing/2010/main" xmlns="" w="9525">
+                <a14:hiddenLine xmlns="" xmlns:a14="http://schemas.microsoft.com/office/drawing/2010/main" w="9525">
                   <a:solidFill>
                     <a:srgbClr val="000000"/>
                   </a:solidFill>
@@ -1853,7 +1858,7 @@
             </a:ln>
             <a:extLst>
               <a:ext uri="{91240B29-F687-4f45-9708-019B960494DF}">
-                <a14:hiddenLine xmlns:a14="http://schemas.microsoft.com/office/drawing/2010/main" xmlns="" w="9525">
+                <a14:hiddenLine xmlns="" xmlns:a14="http://schemas.microsoft.com/office/drawing/2010/main" w="9525">
                   <a:solidFill>
                     <a:srgbClr val="000000"/>
                   </a:solidFill>
@@ -1909,7 +1914,7 @@
             </a:ln>
             <a:extLst>
               <a:ext uri="{91240B29-F687-4f45-9708-019B960494DF}">
-                <a14:hiddenLine xmlns:a14="http://schemas.microsoft.com/office/drawing/2010/main" xmlns="" w="9525">
+                <a14:hiddenLine xmlns="" xmlns:a14="http://schemas.microsoft.com/office/drawing/2010/main" w="9525">
                   <a:solidFill>
                     <a:srgbClr val="000000"/>
                   </a:solidFill>
@@ -1999,7 +2004,7 @@
             </a:ln>
             <a:extLst>
               <a:ext uri="{91240B29-F687-4f45-9708-019B960494DF}">
-                <a14:hiddenLine xmlns:a14="http://schemas.microsoft.com/office/drawing/2010/main" xmlns="" w="9525">
+                <a14:hiddenLine xmlns="" xmlns:a14="http://schemas.microsoft.com/office/drawing/2010/main" w="9525">
                   <a:solidFill>
                     <a:srgbClr val="000000"/>
                   </a:solidFill>
@@ -2067,7 +2072,7 @@
             </a:ln>
             <a:extLst>
               <a:ext uri="{91240B29-F687-4f45-9708-019B960494DF}">
-                <a14:hiddenLine xmlns:a14="http://schemas.microsoft.com/office/drawing/2010/main" xmlns="" w="9525">
+                <a14:hiddenLine xmlns="" xmlns:a14="http://schemas.microsoft.com/office/drawing/2010/main" w="9525">
                   <a:solidFill>
                     <a:srgbClr val="000000"/>
                   </a:solidFill>
@@ -2157,7 +2162,7 @@
             </a:ln>
             <a:extLst>
               <a:ext uri="{91240B29-F687-4f45-9708-019B960494DF}">
-                <a14:hiddenLine xmlns:a14="http://schemas.microsoft.com/office/drawing/2010/main" xmlns="" w="9525">
+                <a14:hiddenLine xmlns="" xmlns:a14="http://schemas.microsoft.com/office/drawing/2010/main" w="9525">
                   <a:solidFill>
                     <a:srgbClr val="000000"/>
                   </a:solidFill>
@@ -2225,7 +2230,7 @@
             </a:ln>
             <a:extLst>
               <a:ext uri="{91240B29-F687-4f45-9708-019B960494DF}">
-                <a14:hiddenLine xmlns:a14="http://schemas.microsoft.com/office/drawing/2010/main" xmlns="" w="9525">
+                <a14:hiddenLine xmlns="" xmlns:a14="http://schemas.microsoft.com/office/drawing/2010/main" w="9525">
                   <a:solidFill>
                     <a:srgbClr val="000000"/>
                   </a:solidFill>
@@ -2315,7 +2320,7 @@
             </a:ln>
             <a:extLst>
               <a:ext uri="{91240B29-F687-4f45-9708-019B960494DF}">
-                <a14:hiddenLine xmlns:a14="http://schemas.microsoft.com/office/drawing/2010/main" xmlns="" w="9525">
+                <a14:hiddenLine xmlns="" xmlns:a14="http://schemas.microsoft.com/office/drawing/2010/main" w="9525">
                   <a:solidFill>
                     <a:srgbClr val="000000"/>
                   </a:solidFill>
@@ -2349,7 +2354,7 @@
             </a:ln>
             <a:extLst>
               <a:ext uri="{91240B29-F687-4f45-9708-019B960494DF}">
-                <a14:hiddenLine xmlns:a14="http://schemas.microsoft.com/office/drawing/2010/main" xmlns="" w="9525">
+                <a14:hiddenLine xmlns="" xmlns:a14="http://schemas.microsoft.com/office/drawing/2010/main" w="9525">
                   <a:solidFill>
                     <a:srgbClr val="000000"/>
                   </a:solidFill>
@@ -2439,7 +2444,7 @@
             </a:ln>
             <a:extLst>
               <a:ext uri="{91240B29-F687-4f45-9708-019B960494DF}">
-                <a14:hiddenLine xmlns:a14="http://schemas.microsoft.com/office/drawing/2010/main" xmlns="" w="9525">
+                <a14:hiddenLine xmlns="" xmlns:a14="http://schemas.microsoft.com/office/drawing/2010/main" w="9525">
                   <a:solidFill>
                     <a:srgbClr val="000000"/>
                   </a:solidFill>
@@ -2501,7 +2506,7 @@
             </a:ln>
             <a:extLst>
               <a:ext uri="{91240B29-F687-4f45-9708-019B960494DF}">
-                <a14:hiddenLine xmlns:a14="http://schemas.microsoft.com/office/drawing/2010/main" xmlns="" w="9525">
+                <a14:hiddenLine xmlns="" xmlns:a14="http://schemas.microsoft.com/office/drawing/2010/main" w="9525">
                   <a:solidFill>
                     <a:srgbClr val="000000"/>
                   </a:solidFill>
@@ -2563,7 +2568,7 @@
             </a:ln>
             <a:extLst>
               <a:ext uri="{91240B29-F687-4f45-9708-019B960494DF}">
-                <a14:hiddenLine xmlns:a14="http://schemas.microsoft.com/office/drawing/2010/main" xmlns="" w="9525">
+                <a14:hiddenLine xmlns="" xmlns:a14="http://schemas.microsoft.com/office/drawing/2010/main" w="9525">
                   <a:solidFill>
                     <a:srgbClr val="000000"/>
                   </a:solidFill>
@@ -2653,7 +2658,7 @@
             </a:ln>
             <a:extLst>
               <a:ext uri="{91240B29-F687-4f45-9708-019B960494DF}">
-                <a14:hiddenLine xmlns:a14="http://schemas.microsoft.com/office/drawing/2010/main" xmlns="" w="9525">
+                <a14:hiddenLine xmlns="" xmlns:a14="http://schemas.microsoft.com/office/drawing/2010/main" w="9525">
                   <a:solidFill>
                     <a:srgbClr val="000000"/>
                   </a:solidFill>
@@ -2721,7 +2726,7 @@
             </a:ln>
             <a:extLst>
               <a:ext uri="{91240B29-F687-4f45-9708-019B960494DF}">
-                <a14:hiddenLine xmlns:a14="http://schemas.microsoft.com/office/drawing/2010/main" xmlns="" w="9525">
+                <a14:hiddenLine xmlns="" xmlns:a14="http://schemas.microsoft.com/office/drawing/2010/main" w="9525">
                   <a:solidFill>
                     <a:srgbClr val="000000"/>
                   </a:solidFill>
@@ -2783,7 +2788,7 @@
             </a:ln>
             <a:extLst>
               <a:ext uri="{91240B29-F687-4f45-9708-019B960494DF}">
-                <a14:hiddenLine xmlns:a14="http://schemas.microsoft.com/office/drawing/2010/main" xmlns="" w="9525">
+                <a14:hiddenLine xmlns="" xmlns:a14="http://schemas.microsoft.com/office/drawing/2010/main" w="9525">
                   <a:solidFill>
                     <a:srgbClr val="000000"/>
                   </a:solidFill>
@@ -2873,7 +2878,7 @@
             </a:ln>
             <a:extLst>
               <a:ext uri="{91240B29-F687-4f45-9708-019B960494DF}">
-                <a14:hiddenLine xmlns:a14="http://schemas.microsoft.com/office/drawing/2010/main" xmlns="" w="9525">
+                <a14:hiddenLine xmlns="" xmlns:a14="http://schemas.microsoft.com/office/drawing/2010/main" w="9525">
                   <a:solidFill>
                     <a:srgbClr val="000000"/>
                   </a:solidFill>
@@ -2935,7 +2940,7 @@
             </a:ln>
             <a:extLst>
               <a:ext uri="{91240B29-F687-4f45-9708-019B960494DF}">
-                <a14:hiddenLine xmlns:a14="http://schemas.microsoft.com/office/drawing/2010/main" xmlns="" w="9525">
+                <a14:hiddenLine xmlns="" xmlns:a14="http://schemas.microsoft.com/office/drawing/2010/main" w="9525">
                   <a:solidFill>
                     <a:srgbClr val="000000"/>
                   </a:solidFill>
@@ -3025,7 +3030,7 @@
             </a:ln>
             <a:extLst>
               <a:ext uri="{91240B29-F687-4f45-9708-019B960494DF}">
-                <a14:hiddenLine xmlns:a14="http://schemas.microsoft.com/office/drawing/2010/main" xmlns="" w="9525">
+                <a14:hiddenLine xmlns="" xmlns:a14="http://schemas.microsoft.com/office/drawing/2010/main" w="9525">
                   <a:solidFill>
                     <a:srgbClr val="000000"/>
                   </a:solidFill>
@@ -3087,7 +3092,7 @@
             </a:ln>
             <a:extLst>
               <a:ext uri="{91240B29-F687-4f45-9708-019B960494DF}">
-                <a14:hiddenLine xmlns:a14="http://schemas.microsoft.com/office/drawing/2010/main" xmlns="" w="9525">
+                <a14:hiddenLine xmlns="" xmlns:a14="http://schemas.microsoft.com/office/drawing/2010/main" w="9525">
                   <a:solidFill>
                     <a:srgbClr val="000000"/>
                   </a:solidFill>
@@ -3177,7 +3182,7 @@
             </a:ln>
             <a:extLst>
               <a:ext uri="{91240B29-F687-4f45-9708-019B960494DF}">
-                <a14:hiddenLine xmlns:a14="http://schemas.microsoft.com/office/drawing/2010/main" xmlns="" w="9525">
+                <a14:hiddenLine xmlns="" xmlns:a14="http://schemas.microsoft.com/office/drawing/2010/main" w="9525">
                   <a:solidFill>
                     <a:srgbClr val="000000"/>
                   </a:solidFill>
@@ -3211,7 +3216,7 @@
             </a:ln>
             <a:extLst>
               <a:ext uri="{91240B29-F687-4f45-9708-019B960494DF}">
-                <a14:hiddenLine xmlns:a14="http://schemas.microsoft.com/office/drawing/2010/main" xmlns="" w="9525">
+                <a14:hiddenLine xmlns="" xmlns:a14="http://schemas.microsoft.com/office/drawing/2010/main" w="9525">
                   <a:solidFill>
                     <a:srgbClr val="000000"/>
                   </a:solidFill>
@@ -3276,7 +3281,7 @@
             </a:ln>
             <a:extLst>
               <a:ext uri="{91240B29-F687-4f45-9708-019B960494DF}">
-                <a14:hiddenLine xmlns:a14="http://schemas.microsoft.com/office/drawing/2010/main" xmlns="" w="9525">
+                <a14:hiddenLine xmlns="" xmlns:a14="http://schemas.microsoft.com/office/drawing/2010/main" w="9525">
                   <a:solidFill>
                     <a:srgbClr val="000000"/>
                   </a:solidFill>
@@ -3366,7 +3371,7 @@
             </a:ln>
             <a:extLst>
               <a:ext uri="{91240B29-F687-4f45-9708-019B960494DF}">
-                <a14:hiddenLine xmlns:a14="http://schemas.microsoft.com/office/drawing/2010/main" xmlns="" w="9525">
+                <a14:hiddenLine xmlns="" xmlns:a14="http://schemas.microsoft.com/office/drawing/2010/main" w="9525">
                   <a:solidFill>
                     <a:srgbClr val="000000"/>
                   </a:solidFill>
@@ -3428,7 +3433,7 @@
             </a:ln>
             <a:extLst>
               <a:ext uri="{91240B29-F687-4f45-9708-019B960494DF}">
-                <a14:hiddenLine xmlns:a14="http://schemas.microsoft.com/office/drawing/2010/main" xmlns="" w="9525">
+                <a14:hiddenLine xmlns="" xmlns:a14="http://schemas.microsoft.com/office/drawing/2010/main" w="9525">
                   <a:solidFill>
                     <a:srgbClr val="000000"/>
                   </a:solidFill>
@@ -3518,7 +3523,7 @@
             </a:ln>
             <a:extLst>
               <a:ext uri="{91240B29-F687-4f45-9708-019B960494DF}">
-                <a14:hiddenLine xmlns:a14="http://schemas.microsoft.com/office/drawing/2010/main" xmlns="" w="9525">
+                <a14:hiddenLine xmlns="" xmlns:a14="http://schemas.microsoft.com/office/drawing/2010/main" w="9525">
                   <a:solidFill>
                     <a:srgbClr val="000000"/>
                   </a:solidFill>
@@ -3608,7 +3613,7 @@
             </a:ln>
             <a:extLst>
               <a:ext uri="{91240B29-F687-4f45-9708-019B960494DF}">
-                <a14:hiddenLine xmlns:a14="http://schemas.microsoft.com/office/drawing/2010/main" xmlns="" w="9525">
+                <a14:hiddenLine xmlns="" xmlns:a14="http://schemas.microsoft.com/office/drawing/2010/main" w="9525">
                   <a:solidFill>
                     <a:srgbClr val="000000"/>
                   </a:solidFill>
@@ -3673,7 +3678,7 @@
             </a:ln>
             <a:extLst>
               <a:ext uri="{91240B29-F687-4f45-9708-019B960494DF}">
-                <a14:hiddenLine xmlns:a14="http://schemas.microsoft.com/office/drawing/2010/main" xmlns="" w="9525">
+                <a14:hiddenLine xmlns="" xmlns:a14="http://schemas.microsoft.com/office/drawing/2010/main" w="9525">
                   <a:solidFill>
                     <a:srgbClr val="000000"/>
                   </a:solidFill>
@@ -3735,7 +3740,7 @@
             </a:ln>
             <a:extLst>
               <a:ext uri="{91240B29-F687-4f45-9708-019B960494DF}">
-                <a14:hiddenLine xmlns:a14="http://schemas.microsoft.com/office/drawing/2010/main" xmlns="" w="9525">
+                <a14:hiddenLine xmlns="" xmlns:a14="http://schemas.microsoft.com/office/drawing/2010/main" w="9525">
                   <a:solidFill>
                     <a:srgbClr val="000000"/>
                   </a:solidFill>
@@ -3825,7 +3830,7 @@
             </a:ln>
             <a:extLst>
               <a:ext uri="{91240B29-F687-4f45-9708-019B960494DF}">
-                <a14:hiddenLine xmlns:a14="http://schemas.microsoft.com/office/drawing/2010/main" xmlns="" w="9525">
+                <a14:hiddenLine xmlns="" xmlns:a14="http://schemas.microsoft.com/office/drawing/2010/main" w="9525">
                   <a:solidFill>
                     <a:srgbClr val="000000"/>
                   </a:solidFill>
@@ -3915,7 +3920,7 @@
             </a:ln>
             <a:extLst>
               <a:ext uri="{91240B29-F687-4f45-9708-019B960494DF}">
-                <a14:hiddenLine xmlns:a14="http://schemas.microsoft.com/office/drawing/2010/main" xmlns="" w="9525">
+                <a14:hiddenLine xmlns="" xmlns:a14="http://schemas.microsoft.com/office/drawing/2010/main" w="9525">
                   <a:solidFill>
                     <a:srgbClr val="000000"/>
                   </a:solidFill>
@@ -3977,7 +3982,7 @@
             </a:ln>
             <a:extLst>
               <a:ext uri="{91240B29-F687-4f45-9708-019B960494DF}">
-                <a14:hiddenLine xmlns:a14="http://schemas.microsoft.com/office/drawing/2010/main" xmlns="" w="9525">
+                <a14:hiddenLine xmlns="" xmlns:a14="http://schemas.microsoft.com/office/drawing/2010/main" w="9525">
                   <a:solidFill>
                     <a:srgbClr val="000000"/>
                   </a:solidFill>
@@ -4097,7 +4102,7 @@
             </a:ln>
             <a:extLst>
               <a:ext uri="{91240B29-F687-4f45-9708-019B960494DF}">
-                <a14:hiddenLine xmlns:a14="http://schemas.microsoft.com/office/drawing/2010/main" xmlns="" w="9525">
+                <a14:hiddenLine xmlns="" xmlns:a14="http://schemas.microsoft.com/office/drawing/2010/main" w="9525">
                   <a:solidFill>
                     <a:srgbClr val="000000"/>
                   </a:solidFill>
@@ -4165,7 +4170,7 @@
             </a:ln>
             <a:extLst>
               <a:ext uri="{91240B29-F687-4f45-9708-019B960494DF}">
-                <a14:hiddenLine xmlns:a14="http://schemas.microsoft.com/office/drawing/2010/main" xmlns="" w="9525">
+                <a14:hiddenLine xmlns="" xmlns:a14="http://schemas.microsoft.com/office/drawing/2010/main" w="9525">
                   <a:solidFill>
                     <a:srgbClr val="000000"/>
                   </a:solidFill>
@@ -4255,7 +4260,7 @@
             </a:ln>
             <a:extLst>
               <a:ext uri="{91240B29-F687-4f45-9708-019B960494DF}">
-                <a14:hiddenLine xmlns:a14="http://schemas.microsoft.com/office/drawing/2010/main" xmlns="" w="9525">
+                <a14:hiddenLine xmlns="" xmlns:a14="http://schemas.microsoft.com/office/drawing/2010/main" w="9525">
                   <a:solidFill>
                     <a:srgbClr val="000000"/>
                   </a:solidFill>
@@ -4395,7 +4400,7 @@
           <a:p>
             <a:fld id="{48A87A34-81AB-432B-8DAE-1953F412C126}" type="datetimeFigureOut">
               <a:rPr lang="en-US" dirty="0"/>
-              <a:t>3/7/2015</a:t>
+              <a:t>3/8/2015</a:t>
             </a:fld>
             <a:endParaRPr lang="en-US" dirty="0"/>
           </a:p>
@@ -4657,7 +4662,7 @@
           <a:p>
             <a:fld id="{48A87A34-81AB-432B-8DAE-1953F412C126}" type="datetimeFigureOut">
               <a:rPr lang="en-US" dirty="0"/>
-              <a:t>3/7/2015</a:t>
+              <a:t>3/8/2015</a:t>
             </a:fld>
             <a:endParaRPr lang="en-US" dirty="0"/>
           </a:p>
@@ -4848,7 +4853,7 @@
           <a:p>
             <a:fld id="{48A87A34-81AB-432B-8DAE-1953F412C126}" type="datetimeFigureOut">
               <a:rPr lang="en-US" dirty="0"/>
-              <a:t>3/7/2015</a:t>
+              <a:t>3/8/2015</a:t>
             </a:fld>
             <a:endParaRPr lang="en-US" dirty="0"/>
           </a:p>
@@ -5106,7 +5111,7 @@
           <a:p>
             <a:fld id="{48A87A34-81AB-432B-8DAE-1953F412C126}" type="datetimeFigureOut">
               <a:rPr lang="en-US" dirty="0"/>
-              <a:t>3/7/2015</a:t>
+              <a:t>3/8/2015</a:t>
             </a:fld>
             <a:endParaRPr lang="en-US" dirty="0"/>
           </a:p>
@@ -5535,7 +5540,7 @@
           <a:p>
             <a:fld id="{48A87A34-81AB-432B-8DAE-1953F412C126}" type="datetimeFigureOut">
               <a:rPr lang="en-US" dirty="0"/>
-              <a:t>3/7/2015</a:t>
+              <a:t>3/8/2015</a:t>
             </a:fld>
             <a:endParaRPr lang="en-US" dirty="0"/>
           </a:p>
@@ -6076,7 +6081,7 @@
           <a:p>
             <a:fld id="{48A87A34-81AB-432B-8DAE-1953F412C126}" type="datetimeFigureOut">
               <a:rPr lang="en-US" dirty="0"/>
-              <a:t>3/7/2015</a:t>
+              <a:t>3/8/2015</a:t>
             </a:fld>
             <a:endParaRPr lang="en-US" dirty="0"/>
           </a:p>
@@ -6791,7 +6796,7 @@
           <a:p>
             <a:fld id="{48A87A34-81AB-432B-8DAE-1953F412C126}" type="datetimeFigureOut">
               <a:rPr lang="en-US" dirty="0"/>
-              <a:t>3/7/2015</a:t>
+              <a:t>3/8/2015</a:t>
             </a:fld>
             <a:endParaRPr lang="en-US" dirty="0"/>
           </a:p>
@@ -6956,7 +6961,7 @@
           <a:p>
             <a:fld id="{48A87A34-81AB-432B-8DAE-1953F412C126}" type="datetimeFigureOut">
               <a:rPr lang="en-US" dirty="0"/>
-              <a:t>3/7/2015</a:t>
+              <a:t>3/8/2015</a:t>
             </a:fld>
             <a:endParaRPr lang="en-US" dirty="0"/>
           </a:p>
@@ -7131,7 +7136,7 @@
           <a:p>
             <a:fld id="{48A87A34-81AB-432B-8DAE-1953F412C126}" type="datetimeFigureOut">
               <a:rPr lang="en-US" dirty="0"/>
-              <a:t>3/7/2015</a:t>
+              <a:t>3/8/2015</a:t>
             </a:fld>
             <a:endParaRPr lang="en-US" dirty="0"/>
           </a:p>
@@ -7296,7 +7301,7 @@
           <a:p>
             <a:fld id="{48A87A34-81AB-432B-8DAE-1953F412C126}" type="datetimeFigureOut">
               <a:rPr lang="en-US" dirty="0"/>
-              <a:t>3/7/2015</a:t>
+              <a:t>3/8/2015</a:t>
             </a:fld>
             <a:endParaRPr lang="en-US" dirty="0"/>
           </a:p>
@@ -7541,7 +7546,7 @@
           <a:p>
             <a:fld id="{48A87A34-81AB-432B-8DAE-1953F412C126}" type="datetimeFigureOut">
               <a:rPr lang="en-US" dirty="0"/>
-              <a:t>3/7/2015</a:t>
+              <a:t>3/8/2015</a:t>
             </a:fld>
             <a:endParaRPr lang="en-US" dirty="0"/>
           </a:p>
@@ -7768,7 +7773,7 @@
           <a:p>
             <a:fld id="{48A87A34-81AB-432B-8DAE-1953F412C126}" type="datetimeFigureOut">
               <a:rPr lang="en-US" dirty="0"/>
-              <a:t>3/7/2015</a:t>
+              <a:t>3/8/2015</a:t>
             </a:fld>
             <a:endParaRPr lang="en-US" dirty="0"/>
           </a:p>
@@ -8144,7 +8149,7 @@
           <a:p>
             <a:fld id="{48A87A34-81AB-432B-8DAE-1953F412C126}" type="datetimeFigureOut">
               <a:rPr lang="en-US" dirty="0"/>
-              <a:t>3/7/2015</a:t>
+              <a:t>3/8/2015</a:t>
             </a:fld>
             <a:endParaRPr lang="en-US" dirty="0"/>
           </a:p>
@@ -8257,7 +8262,7 @@
           <a:p>
             <a:fld id="{48A87A34-81AB-432B-8DAE-1953F412C126}" type="datetimeFigureOut">
               <a:rPr lang="en-US" dirty="0"/>
-              <a:t>3/7/2015</a:t>
+              <a:t>3/8/2015</a:t>
             </a:fld>
             <a:endParaRPr lang="en-US" dirty="0"/>
           </a:p>
@@ -8347,7 +8352,7 @@
           <a:p>
             <a:fld id="{48A87A34-81AB-432B-8DAE-1953F412C126}" type="datetimeFigureOut">
               <a:rPr lang="en-US" dirty="0"/>
-              <a:t>3/7/2015</a:t>
+              <a:t>3/8/2015</a:t>
             </a:fld>
             <a:endParaRPr lang="en-US" dirty="0"/>
           </a:p>
@@ -8591,7 +8596,7 @@
           <a:p>
             <a:fld id="{48A87A34-81AB-432B-8DAE-1953F412C126}" type="datetimeFigureOut">
               <a:rPr lang="en-US" dirty="0"/>
-              <a:t>3/7/2015</a:t>
+              <a:t>3/8/2015</a:t>
             </a:fld>
             <a:endParaRPr lang="en-US" dirty="0"/>
           </a:p>
@@ -8866,7 +8871,7 @@
           <a:p>
             <a:fld id="{48A87A34-81AB-432B-8DAE-1953F412C126}" type="datetimeFigureOut">
               <a:rPr lang="en-US" dirty="0"/>
-              <a:t>3/7/2015</a:t>
+              <a:t>3/8/2015</a:t>
             </a:fld>
             <a:endParaRPr lang="en-US" dirty="0"/>
           </a:p>
@@ -8984,7 +8989,7 @@
           <a:noFill/>
           <a:extLst>
             <a:ext uri="{909E8E84-426E-40dd-AFC4-6F175D3DCCD1}">
-              <a14:hiddenFill xmlns:a14="http://schemas.microsoft.com/office/drawing/2010/main" xmlns="">
+              <a14:hiddenFill xmlns="" xmlns:a14="http://schemas.microsoft.com/office/drawing/2010/main">
                 <a:solidFill>
                   <a:srgbClr val="FFFFFF"/>
                 </a:solidFill>
@@ -9058,7 +9063,7 @@
               </a:ln>
               <a:extLst>
                 <a:ext uri="{91240B29-F687-4f45-9708-019B960494DF}">
-                  <a14:hiddenLine xmlns:a14="http://schemas.microsoft.com/office/drawing/2010/main" xmlns="" w="9525">
+                  <a14:hiddenLine xmlns="" xmlns:a14="http://schemas.microsoft.com/office/drawing/2010/main" w="9525">
                     <a:solidFill>
                       <a:srgbClr val="000000"/>
                     </a:solidFill>
@@ -9148,7 +9153,7 @@
               </a:ln>
               <a:extLst>
                 <a:ext uri="{91240B29-F687-4f45-9708-019B960494DF}">
-                  <a14:hiddenLine xmlns:a14="http://schemas.microsoft.com/office/drawing/2010/main" xmlns="" w="9525">
+                  <a14:hiddenLine xmlns="" xmlns:a14="http://schemas.microsoft.com/office/drawing/2010/main" w="9525">
                     <a:solidFill>
                       <a:srgbClr val="000000"/>
                     </a:solidFill>
@@ -9238,7 +9243,7 @@
               </a:ln>
               <a:extLst>
                 <a:ext uri="{91240B29-F687-4f45-9708-019B960494DF}">
-                  <a14:hiddenLine xmlns:a14="http://schemas.microsoft.com/office/drawing/2010/main" xmlns="" w="9525">
+                  <a14:hiddenLine xmlns="" xmlns:a14="http://schemas.microsoft.com/office/drawing/2010/main" w="9525">
                     <a:solidFill>
                       <a:srgbClr val="000000"/>
                     </a:solidFill>
@@ -9300,7 +9305,7 @@
               </a:ln>
               <a:extLst>
                 <a:ext uri="{91240B29-F687-4f45-9708-019B960494DF}">
-                  <a14:hiddenLine xmlns:a14="http://schemas.microsoft.com/office/drawing/2010/main" xmlns="" w="9525">
+                  <a14:hiddenLine xmlns="" xmlns:a14="http://schemas.microsoft.com/office/drawing/2010/main" w="9525">
                     <a:solidFill>
                       <a:srgbClr val="000000"/>
                     </a:solidFill>
@@ -9390,7 +9395,7 @@
               </a:ln>
               <a:extLst>
                 <a:ext uri="{91240B29-F687-4f45-9708-019B960494DF}">
-                  <a14:hiddenLine xmlns:a14="http://schemas.microsoft.com/office/drawing/2010/main" xmlns="" w="9525">
+                  <a14:hiddenLine xmlns="" xmlns:a14="http://schemas.microsoft.com/office/drawing/2010/main" w="9525">
                     <a:solidFill>
                       <a:srgbClr val="000000"/>
                     </a:solidFill>
@@ -9452,7 +9457,7 @@
               </a:ln>
               <a:extLst>
                 <a:ext uri="{91240B29-F687-4f45-9708-019B960494DF}">
-                  <a14:hiddenLine xmlns:a14="http://schemas.microsoft.com/office/drawing/2010/main" xmlns="" w="9525">
+                  <a14:hiddenLine xmlns="" xmlns:a14="http://schemas.microsoft.com/office/drawing/2010/main" w="9525">
                     <a:solidFill>
                       <a:srgbClr val="000000"/>
                     </a:solidFill>
@@ -9514,7 +9519,7 @@
               </a:ln>
               <a:extLst>
                 <a:ext uri="{91240B29-F687-4f45-9708-019B960494DF}">
-                  <a14:hiddenLine xmlns:a14="http://schemas.microsoft.com/office/drawing/2010/main" xmlns="" w="9525">
+                  <a14:hiddenLine xmlns="" xmlns:a14="http://schemas.microsoft.com/office/drawing/2010/main" w="9525">
                     <a:solidFill>
                       <a:srgbClr val="000000"/>
                     </a:solidFill>
@@ -9604,7 +9609,7 @@
               </a:ln>
               <a:extLst>
                 <a:ext uri="{91240B29-F687-4f45-9708-019B960494DF}">
-                  <a14:hiddenLine xmlns:a14="http://schemas.microsoft.com/office/drawing/2010/main" xmlns="" w="9525">
+                  <a14:hiddenLine xmlns="" xmlns:a14="http://schemas.microsoft.com/office/drawing/2010/main" w="9525">
                     <a:solidFill>
                       <a:srgbClr val="000000"/>
                     </a:solidFill>
@@ -9694,7 +9699,7 @@
               </a:ln>
               <a:extLst>
                 <a:ext uri="{91240B29-F687-4f45-9708-019B960494DF}">
-                  <a14:hiddenLine xmlns:a14="http://schemas.microsoft.com/office/drawing/2010/main" xmlns="" w="9525">
+                  <a14:hiddenLine xmlns="" xmlns:a14="http://schemas.microsoft.com/office/drawing/2010/main" w="9525">
                     <a:solidFill>
                       <a:srgbClr val="000000"/>
                     </a:solidFill>
@@ -9756,7 +9761,7 @@
               </a:ln>
               <a:extLst>
                 <a:ext uri="{91240B29-F687-4f45-9708-019B960494DF}">
-                  <a14:hiddenLine xmlns:a14="http://schemas.microsoft.com/office/drawing/2010/main" xmlns="" w="9525">
+                  <a14:hiddenLine xmlns="" xmlns:a14="http://schemas.microsoft.com/office/drawing/2010/main" w="9525">
                     <a:solidFill>
                       <a:srgbClr val="000000"/>
                     </a:solidFill>
@@ -9866,7 +9871,7 @@
               </a:ln>
               <a:extLst>
                 <a:ext uri="{91240B29-F687-4f45-9708-019B960494DF}">
-                  <a14:hiddenLine xmlns:a14="http://schemas.microsoft.com/office/drawing/2010/main" xmlns="" w="9525">
+                  <a14:hiddenLine xmlns="" xmlns:a14="http://schemas.microsoft.com/office/drawing/2010/main" w="9525">
                     <a:solidFill>
                       <a:srgbClr val="000000"/>
                     </a:solidFill>
@@ -9950,7 +9955,7 @@
               </a:ln>
               <a:extLst>
                 <a:ext uri="{91240B29-F687-4f45-9708-019B960494DF}">
-                  <a14:hiddenLine xmlns:a14="http://schemas.microsoft.com/office/drawing/2010/main" xmlns="" w="9525">
+                  <a14:hiddenLine xmlns="" xmlns:a14="http://schemas.microsoft.com/office/drawing/2010/main" w="9525">
                     <a:solidFill>
                       <a:srgbClr val="000000"/>
                     </a:solidFill>
@@ -10012,7 +10017,7 @@
               </a:ln>
               <a:extLst>
                 <a:ext uri="{91240B29-F687-4f45-9708-019B960494DF}">
-                  <a14:hiddenLine xmlns:a14="http://schemas.microsoft.com/office/drawing/2010/main" xmlns="" w="9525">
+                  <a14:hiddenLine xmlns="" xmlns:a14="http://schemas.microsoft.com/office/drawing/2010/main" w="9525">
                     <a:solidFill>
                       <a:srgbClr val="000000"/>
                     </a:solidFill>
@@ -10074,7 +10079,7 @@
               </a:ln>
               <a:extLst>
                 <a:ext uri="{91240B29-F687-4f45-9708-019B960494DF}">
-                  <a14:hiddenLine xmlns:a14="http://schemas.microsoft.com/office/drawing/2010/main" xmlns="" w="9525">
+                  <a14:hiddenLine xmlns="" xmlns:a14="http://schemas.microsoft.com/office/drawing/2010/main" w="9525">
                     <a:solidFill>
                       <a:srgbClr val="000000"/>
                     </a:solidFill>
@@ -10164,7 +10169,7 @@
               </a:ln>
               <a:extLst>
                 <a:ext uri="{91240B29-F687-4f45-9708-019B960494DF}">
-                  <a14:hiddenLine xmlns:a14="http://schemas.microsoft.com/office/drawing/2010/main" xmlns="" w="9525">
+                  <a14:hiddenLine xmlns="" xmlns:a14="http://schemas.microsoft.com/office/drawing/2010/main" w="9525">
                     <a:solidFill>
                       <a:srgbClr val="000000"/>
                     </a:solidFill>
@@ -10198,7 +10203,7 @@
               </a:ln>
               <a:extLst>
                 <a:ext uri="{91240B29-F687-4f45-9708-019B960494DF}">
-                  <a14:hiddenLine xmlns:a14="http://schemas.microsoft.com/office/drawing/2010/main" xmlns="" w="9525">
+                  <a14:hiddenLine xmlns="" xmlns:a14="http://schemas.microsoft.com/office/drawing/2010/main" w="9525">
                     <a:solidFill>
                       <a:srgbClr val="000000"/>
                     </a:solidFill>
@@ -10263,7 +10268,7 @@
               </a:ln>
               <a:extLst>
                 <a:ext uri="{91240B29-F687-4f45-9708-019B960494DF}">
-                  <a14:hiddenLine xmlns:a14="http://schemas.microsoft.com/office/drawing/2010/main" xmlns="" w="9525">
+                  <a14:hiddenLine xmlns="" xmlns:a14="http://schemas.microsoft.com/office/drawing/2010/main" w="9525">
                     <a:solidFill>
                       <a:srgbClr val="000000"/>
                     </a:solidFill>
@@ -10353,7 +10358,7 @@
               </a:ln>
               <a:extLst>
                 <a:ext uri="{91240B29-F687-4f45-9708-019B960494DF}">
-                  <a14:hiddenLine xmlns:a14="http://schemas.microsoft.com/office/drawing/2010/main" xmlns="" w="9525">
+                  <a14:hiddenLine xmlns="" xmlns:a14="http://schemas.microsoft.com/office/drawing/2010/main" w="9525">
                     <a:solidFill>
                       <a:srgbClr val="000000"/>
                     </a:solidFill>
@@ -10415,7 +10420,7 @@
               </a:ln>
               <a:extLst>
                 <a:ext uri="{91240B29-F687-4f45-9708-019B960494DF}">
-                  <a14:hiddenLine xmlns:a14="http://schemas.microsoft.com/office/drawing/2010/main" xmlns="" w="9525">
+                  <a14:hiddenLine xmlns="" xmlns:a14="http://schemas.microsoft.com/office/drawing/2010/main" w="9525">
                     <a:solidFill>
                       <a:srgbClr val="000000"/>
                     </a:solidFill>
@@ -10505,7 +10510,7 @@
               </a:ln>
               <a:extLst>
                 <a:ext uri="{91240B29-F687-4f45-9708-019B960494DF}">
-                  <a14:hiddenLine xmlns:a14="http://schemas.microsoft.com/office/drawing/2010/main" xmlns="" w="9525">
+                  <a14:hiddenLine xmlns="" xmlns:a14="http://schemas.microsoft.com/office/drawing/2010/main" w="9525">
                     <a:solidFill>
                       <a:srgbClr val="000000"/>
                     </a:solidFill>
@@ -10570,7 +10575,7 @@
               </a:ln>
               <a:extLst>
                 <a:ext uri="{91240B29-F687-4f45-9708-019B960494DF}">
-                  <a14:hiddenLine xmlns:a14="http://schemas.microsoft.com/office/drawing/2010/main" xmlns="" w="9525">
+                  <a14:hiddenLine xmlns="" xmlns:a14="http://schemas.microsoft.com/office/drawing/2010/main" w="9525">
                     <a:solidFill>
                       <a:srgbClr val="000000"/>
                     </a:solidFill>
@@ -10632,7 +10637,7 @@
               </a:ln>
               <a:extLst>
                 <a:ext uri="{91240B29-F687-4f45-9708-019B960494DF}">
-                  <a14:hiddenLine xmlns:a14="http://schemas.microsoft.com/office/drawing/2010/main" xmlns="" w="9525">
+                  <a14:hiddenLine xmlns="" xmlns:a14="http://schemas.microsoft.com/office/drawing/2010/main" w="9525">
                     <a:solidFill>
                       <a:srgbClr val="000000"/>
                     </a:solidFill>
@@ -10722,7 +10727,7 @@
               </a:ln>
               <a:extLst>
                 <a:ext uri="{91240B29-F687-4f45-9708-019B960494DF}">
-                  <a14:hiddenLine xmlns:a14="http://schemas.microsoft.com/office/drawing/2010/main" xmlns="" w="9525">
+                  <a14:hiddenLine xmlns="" xmlns:a14="http://schemas.microsoft.com/office/drawing/2010/main" w="9525">
                     <a:solidFill>
                       <a:srgbClr val="000000"/>
                     </a:solidFill>
@@ -10812,7 +10817,7 @@
               </a:ln>
               <a:extLst>
                 <a:ext uri="{91240B29-F687-4f45-9708-019B960494DF}">
-                  <a14:hiddenLine xmlns:a14="http://schemas.microsoft.com/office/drawing/2010/main" xmlns="" w="9525">
+                  <a14:hiddenLine xmlns="" xmlns:a14="http://schemas.microsoft.com/office/drawing/2010/main" w="9525">
                     <a:solidFill>
                       <a:srgbClr val="000000"/>
                     </a:solidFill>
@@ -10877,7 +10882,7 @@
               </a:ln>
               <a:extLst>
                 <a:ext uri="{91240B29-F687-4f45-9708-019B960494DF}">
-                  <a14:hiddenLine xmlns:a14="http://schemas.microsoft.com/office/drawing/2010/main" xmlns="" w="9525">
+                  <a14:hiddenLine xmlns="" xmlns:a14="http://schemas.microsoft.com/office/drawing/2010/main" w="9525">
                     <a:solidFill>
                       <a:srgbClr val="000000"/>
                     </a:solidFill>
@@ -10997,7 +11002,7 @@
               </a:ln>
               <a:extLst>
                 <a:ext uri="{91240B29-F687-4f45-9708-019B960494DF}">
-                  <a14:hiddenLine xmlns:a14="http://schemas.microsoft.com/office/drawing/2010/main" xmlns="" w="9525">
+                  <a14:hiddenLine xmlns="" xmlns:a14="http://schemas.microsoft.com/office/drawing/2010/main" w="9525">
                     <a:solidFill>
                       <a:srgbClr val="000000"/>
                     </a:solidFill>
@@ -11078,7 +11083,7 @@
               </a:ln>
               <a:extLst>
                 <a:ext uri="{91240B29-F687-4f45-9708-019B960494DF}">
-                  <a14:hiddenLine xmlns:a14="http://schemas.microsoft.com/office/drawing/2010/main" xmlns="" w="9525">
+                  <a14:hiddenLine xmlns="" xmlns:a14="http://schemas.microsoft.com/office/drawing/2010/main" w="9525">
                     <a:solidFill>
                       <a:srgbClr val="000000"/>
                     </a:solidFill>
@@ -11193,7 +11198,7 @@
               </a:ln>
               <a:extLst>
                 <a:ext uri="{91240B29-F687-4f45-9708-019B960494DF}">
-                  <a14:hiddenLine xmlns:a14="http://schemas.microsoft.com/office/drawing/2010/main" xmlns="" w="9525">
+                  <a14:hiddenLine xmlns="" xmlns:a14="http://schemas.microsoft.com/office/drawing/2010/main" w="9525">
                     <a:solidFill>
                       <a:srgbClr val="000000"/>
                     </a:solidFill>
@@ -11283,7 +11288,7 @@
               </a:ln>
               <a:extLst>
                 <a:ext uri="{91240B29-F687-4f45-9708-019B960494DF}">
-                  <a14:hiddenLine xmlns:a14="http://schemas.microsoft.com/office/drawing/2010/main" xmlns="" w="9525">
+                  <a14:hiddenLine xmlns="" xmlns:a14="http://schemas.microsoft.com/office/drawing/2010/main" w="9525">
                     <a:solidFill>
                       <a:srgbClr val="000000"/>
                     </a:solidFill>
@@ -11348,7 +11353,7 @@
               </a:ln>
               <a:extLst>
                 <a:ext uri="{91240B29-F687-4f45-9708-019B960494DF}">
-                  <a14:hiddenLine xmlns:a14="http://schemas.microsoft.com/office/drawing/2010/main" xmlns="" w="9525">
+                  <a14:hiddenLine xmlns="" xmlns:a14="http://schemas.microsoft.com/office/drawing/2010/main" w="9525">
                     <a:solidFill>
                       <a:srgbClr val="000000"/>
                     </a:solidFill>
@@ -11438,7 +11443,7 @@
               </a:ln>
               <a:extLst>
                 <a:ext uri="{91240B29-F687-4f45-9708-019B960494DF}">
-                  <a14:hiddenLine xmlns:a14="http://schemas.microsoft.com/office/drawing/2010/main" xmlns="" w="9525">
+                  <a14:hiddenLine xmlns="" xmlns:a14="http://schemas.microsoft.com/office/drawing/2010/main" w="9525">
                     <a:solidFill>
                       <a:srgbClr val="000000"/>
                     </a:solidFill>
@@ -11506,7 +11511,7 @@
               </a:ln>
               <a:extLst>
                 <a:ext uri="{91240B29-F687-4f45-9708-019B960494DF}">
-                  <a14:hiddenLine xmlns:a14="http://schemas.microsoft.com/office/drawing/2010/main" xmlns="" w="9525">
+                  <a14:hiddenLine xmlns="" xmlns:a14="http://schemas.microsoft.com/office/drawing/2010/main" w="9525">
                     <a:solidFill>
                       <a:srgbClr val="000000"/>
                     </a:solidFill>
@@ -11596,7 +11601,7 @@
               </a:ln>
               <a:extLst>
                 <a:ext uri="{91240B29-F687-4f45-9708-019B960494DF}">
-                  <a14:hiddenLine xmlns:a14="http://schemas.microsoft.com/office/drawing/2010/main" xmlns="" w="9525">
+                  <a14:hiddenLine xmlns="" xmlns:a14="http://schemas.microsoft.com/office/drawing/2010/main" w="9525">
                     <a:solidFill>
                       <a:srgbClr val="000000"/>
                     </a:solidFill>
@@ -11664,7 +11669,7 @@
               </a:ln>
               <a:extLst>
                 <a:ext uri="{91240B29-F687-4f45-9708-019B960494DF}">
-                  <a14:hiddenLine xmlns:a14="http://schemas.microsoft.com/office/drawing/2010/main" xmlns="" w="9525">
+                  <a14:hiddenLine xmlns="" xmlns:a14="http://schemas.microsoft.com/office/drawing/2010/main" w="9525">
                     <a:solidFill>
                       <a:srgbClr val="000000"/>
                     </a:solidFill>
@@ -11754,7 +11759,7 @@
               </a:ln>
               <a:extLst>
                 <a:ext uri="{91240B29-F687-4f45-9708-019B960494DF}">
-                  <a14:hiddenLine xmlns:a14="http://schemas.microsoft.com/office/drawing/2010/main" xmlns="" w="9525">
+                  <a14:hiddenLine xmlns="" xmlns:a14="http://schemas.microsoft.com/office/drawing/2010/main" w="9525">
                     <a:solidFill>
                       <a:srgbClr val="000000"/>
                     </a:solidFill>
@@ -11788,7 +11793,7 @@
               </a:ln>
               <a:extLst>
                 <a:ext uri="{91240B29-F687-4f45-9708-019B960494DF}">
-                  <a14:hiddenLine xmlns:a14="http://schemas.microsoft.com/office/drawing/2010/main" xmlns="" w="9525">
+                  <a14:hiddenLine xmlns="" xmlns:a14="http://schemas.microsoft.com/office/drawing/2010/main" w="9525">
                     <a:solidFill>
                       <a:srgbClr val="000000"/>
                     </a:solidFill>
@@ -11929,7 +11934,7 @@
             <a:fld id="{48A87A34-81AB-432B-8DAE-1953F412C126}" type="datetimeFigureOut">
               <a:rPr lang="en-US" dirty="0"/>
               <a:pPr/>
-              <a:t>3/7/2015</a:t>
+              <a:t>3/8/2015</a:t>
             </a:fld>
             <a:endParaRPr lang="en-US" dirty="0"/>
           </a:p>
@@ -12378,7 +12383,12 @@
             <p:ph type="subTitle" idx="1"/>
           </p:nvPr>
         </p:nvSpPr>
-        <p:spPr/>
+        <p:spPr>
+          <a:xfrm>
+            <a:off x="1876425" y="3602038"/>
+            <a:ext cx="5361138" cy="1655762"/>
+          </a:xfrm>
+        </p:spPr>
         <p:txBody>
           <a:bodyPr/>
           <a:lstStyle/>
@@ -12411,6 +12421,36 @@
           </a:p>
         </p:txBody>
       </p:sp>
+      <p:pic>
+        <p:nvPicPr>
+          <p:cNvPr id="4" name="Picture 3"/>
+          <p:cNvPicPr>
+            <a:picLocks noChangeAspect="1"/>
+          </p:cNvPicPr>
+          <p:nvPr/>
+        </p:nvPicPr>
+        <p:blipFill>
+          <a:blip r:embed="rId2">
+            <a:extLst>
+              <a:ext uri="{28A0092B-C50C-407E-A947-70E740481C1C}">
+                <a14:useLocalDpi xmlns:a14="http://schemas.microsoft.com/office/drawing/2010/main" val="0"/>
+              </a:ext>
+            </a:extLst>
+          </a:blip>
+          <a:stretch>
+            <a:fillRect/>
+          </a:stretch>
+        </p:blipFill>
+        <p:spPr>
+          <a:xfrm>
+            <a:off x="8762999" y="3796342"/>
+            <a:ext cx="1905000" cy="1905000"/>
+          </a:xfrm>
+          <a:prstGeom prst="rect">
+            <a:avLst/>
+          </a:prstGeom>
+        </p:spPr>
+      </p:pic>
     </p:spTree>
     <p:extLst>
       <p:ext uri="{BB962C8B-B14F-4D97-AF65-F5344CB8AC3E}">
@@ -12529,6 +12569,36 @@
           </a:p>
         </p:txBody>
       </p:sp>
+      <p:pic>
+        <p:nvPicPr>
+          <p:cNvPr id="4" name="Picture 3"/>
+          <p:cNvPicPr>
+            <a:picLocks noChangeAspect="1"/>
+          </p:cNvPicPr>
+          <p:nvPr/>
+        </p:nvPicPr>
+        <p:blipFill>
+          <a:blip r:embed="rId2">
+            <a:extLst>
+              <a:ext uri="{28A0092B-C50C-407E-A947-70E740481C1C}">
+                <a14:useLocalDpi xmlns:a14="http://schemas.microsoft.com/office/drawing/2010/main" val="0"/>
+              </a:ext>
+            </a:extLst>
+          </a:blip>
+          <a:stretch>
+            <a:fillRect/>
+          </a:stretch>
+        </p:blipFill>
+        <p:spPr>
+          <a:xfrm rot="460273">
+            <a:off x="7682477" y="2289955"/>
+            <a:ext cx="3134856" cy="3657332"/>
+          </a:xfrm>
+          <a:prstGeom prst="rect">
+            <a:avLst/>
+          </a:prstGeom>
+        </p:spPr>
+      </p:pic>
     </p:spTree>
     <p:extLst>
       <p:ext uri="{BB962C8B-B14F-4D97-AF65-F5344CB8AC3E}">
@@ -12632,6 +12702,36 @@
           </a:p>
         </p:txBody>
       </p:sp>
+      <p:pic>
+        <p:nvPicPr>
+          <p:cNvPr id="5" name="Picture 4"/>
+          <p:cNvPicPr>
+            <a:picLocks noChangeAspect="1"/>
+          </p:cNvPicPr>
+          <p:nvPr/>
+        </p:nvPicPr>
+        <p:blipFill>
+          <a:blip r:embed="rId2">
+            <a:extLst>
+              <a:ext uri="{28A0092B-C50C-407E-A947-70E740481C1C}">
+                <a14:useLocalDpi xmlns:a14="http://schemas.microsoft.com/office/drawing/2010/main" val="0"/>
+              </a:ext>
+            </a:extLst>
+          </a:blip>
+          <a:stretch>
+            <a:fillRect/>
+          </a:stretch>
+        </p:blipFill>
+        <p:spPr>
+          <a:xfrm>
+            <a:off x="6934517" y="3761117"/>
+            <a:ext cx="4186009" cy="2732866"/>
+          </a:xfrm>
+          <a:prstGeom prst="rect">
+            <a:avLst/>
+          </a:prstGeom>
+        </p:spPr>
+      </p:pic>
     </p:spTree>
     <p:extLst>
       <p:ext uri="{BB962C8B-B14F-4D97-AF65-F5344CB8AC3E}">
@@ -13022,6 +13122,36 @@
           </a:p>
         </p:txBody>
       </p:sp>
+      <p:pic>
+        <p:nvPicPr>
+          <p:cNvPr id="4" name="Picture 3"/>
+          <p:cNvPicPr>
+            <a:picLocks noChangeAspect="1"/>
+          </p:cNvPicPr>
+          <p:nvPr/>
+        </p:nvPicPr>
+        <p:blipFill>
+          <a:blip r:embed="rId2">
+            <a:extLst>
+              <a:ext uri="{28A0092B-C50C-407E-A947-70E740481C1C}">
+                <a14:useLocalDpi xmlns:a14="http://schemas.microsoft.com/office/drawing/2010/main" val="0"/>
+              </a:ext>
+            </a:extLst>
+          </a:blip>
+          <a:stretch>
+            <a:fillRect/>
+          </a:stretch>
+        </p:blipFill>
+        <p:spPr>
+          <a:xfrm rot="450331">
+            <a:off x="8382449" y="1791639"/>
+            <a:ext cx="2541404" cy="2058537"/>
+          </a:xfrm>
+          <a:prstGeom prst="rect">
+            <a:avLst/>
+          </a:prstGeom>
+        </p:spPr>
+      </p:pic>
     </p:spTree>
     <p:extLst>
       <p:ext uri="{BB962C8B-B14F-4D97-AF65-F5344CB8AC3E}">

--- a/Discussion/Presentation.pptx
+++ b/Discussion/Presentation.pptx
@@ -6,12 +6,10 @@
   </p:sldMasterIdLst>
   <p:sldIdLst>
     <p:sldId id="256" r:id="rId2"/>
-    <p:sldId id="257" r:id="rId3"/>
-    <p:sldId id="258" r:id="rId4"/>
-    <p:sldId id="259" r:id="rId5"/>
-    <p:sldId id="260" r:id="rId6"/>
-    <p:sldId id="261" r:id="rId7"/>
-    <p:sldId id="262" r:id="rId8"/>
+    <p:sldId id="258" r:id="rId3"/>
+    <p:sldId id="259" r:id="rId4"/>
+    <p:sldId id="260" r:id="rId5"/>
+    <p:sldId id="261" r:id="rId6"/>
   </p:sldIdLst>
   <p:sldSz cx="12192000" cy="6858000"/>
   <p:notesSz cx="6858000" cy="9144000"/>
@@ -175,7 +173,7 @@
           <a:noFill/>
           <a:extLst>
             <a:ext uri="{909E8E84-426E-40dd-AFC4-6F175D3DCCD1}">
-              <a14:hiddenFill xmlns="" xmlns:a14="http://schemas.microsoft.com/office/drawing/2010/main">
+              <a14:hiddenFill xmlns:a14="http://schemas.microsoft.com/office/drawing/2010/main" xmlns="">
                 <a:solidFill>
                   <a:srgbClr val="FFFFFF"/>
                 </a:solidFill>
@@ -234,7 +232,7 @@
             </a:ln>
             <a:extLst>
               <a:ext uri="{91240B29-F687-4f45-9708-019B960494DF}">
-                <a14:hiddenLine xmlns="" xmlns:a14="http://schemas.microsoft.com/office/drawing/2010/main" w="9525">
+                <a14:hiddenLine xmlns:a14="http://schemas.microsoft.com/office/drawing/2010/main" xmlns="" w="9525">
                   <a:solidFill>
                     <a:srgbClr val="000000"/>
                   </a:solidFill>
@@ -324,7 +322,7 @@
             </a:ln>
             <a:extLst>
               <a:ext uri="{91240B29-F687-4f45-9708-019B960494DF}">
-                <a14:hiddenLine xmlns="" xmlns:a14="http://schemas.microsoft.com/office/drawing/2010/main" w="9525">
+                <a14:hiddenLine xmlns:a14="http://schemas.microsoft.com/office/drawing/2010/main" xmlns="" w="9525">
                   <a:solidFill>
                     <a:srgbClr val="000000"/>
                   </a:solidFill>
@@ -414,7 +412,7 @@
             </a:ln>
             <a:extLst>
               <a:ext uri="{91240B29-F687-4f45-9708-019B960494DF}">
-                <a14:hiddenLine xmlns="" xmlns:a14="http://schemas.microsoft.com/office/drawing/2010/main" w="9525">
+                <a14:hiddenLine xmlns:a14="http://schemas.microsoft.com/office/drawing/2010/main" xmlns="" w="9525">
                   <a:solidFill>
                     <a:srgbClr val="000000"/>
                   </a:solidFill>
@@ -448,7 +446,7 @@
             </a:ln>
             <a:extLst>
               <a:ext uri="{91240B29-F687-4f45-9708-019B960494DF}">
-                <a14:hiddenLine xmlns="" xmlns:a14="http://schemas.microsoft.com/office/drawing/2010/main" w="9525">
+                <a14:hiddenLine xmlns:a14="http://schemas.microsoft.com/office/drawing/2010/main" xmlns="" w="9525">
                   <a:solidFill>
                     <a:srgbClr val="000000"/>
                   </a:solidFill>
@@ -538,7 +536,7 @@
             </a:ln>
             <a:extLst>
               <a:ext uri="{91240B29-F687-4f45-9708-019B960494DF}">
-                <a14:hiddenLine xmlns="" xmlns:a14="http://schemas.microsoft.com/office/drawing/2010/main" w="9525">
+                <a14:hiddenLine xmlns:a14="http://schemas.microsoft.com/office/drawing/2010/main" xmlns="" w="9525">
                   <a:solidFill>
                     <a:srgbClr val="000000"/>
                   </a:solidFill>
@@ -600,7 +598,7 @@
             </a:ln>
             <a:extLst>
               <a:ext uri="{91240B29-F687-4f45-9708-019B960494DF}">
-                <a14:hiddenLine xmlns="" xmlns:a14="http://schemas.microsoft.com/office/drawing/2010/main" w="9525">
+                <a14:hiddenLine xmlns:a14="http://schemas.microsoft.com/office/drawing/2010/main" xmlns="" w="9525">
                   <a:solidFill>
                     <a:srgbClr val="000000"/>
                   </a:solidFill>
@@ -662,7 +660,7 @@
             </a:ln>
             <a:extLst>
               <a:ext uri="{91240B29-F687-4f45-9708-019B960494DF}">
-                <a14:hiddenLine xmlns="" xmlns:a14="http://schemas.microsoft.com/office/drawing/2010/main" w="9525">
+                <a14:hiddenLine xmlns:a14="http://schemas.microsoft.com/office/drawing/2010/main" xmlns="" w="9525">
                   <a:solidFill>
                     <a:srgbClr val="000000"/>
                   </a:solidFill>
@@ -752,7 +750,7 @@
             </a:ln>
             <a:extLst>
               <a:ext uri="{91240B29-F687-4f45-9708-019B960494DF}">
-                <a14:hiddenLine xmlns="" xmlns:a14="http://schemas.microsoft.com/office/drawing/2010/main" w="9525">
+                <a14:hiddenLine xmlns:a14="http://schemas.microsoft.com/office/drawing/2010/main" xmlns="" w="9525">
                   <a:solidFill>
                     <a:srgbClr val="000000"/>
                   </a:solidFill>
@@ -814,7 +812,7 @@
             </a:ln>
             <a:extLst>
               <a:ext uri="{91240B29-F687-4f45-9708-019B960494DF}">
-                <a14:hiddenLine xmlns="" xmlns:a14="http://schemas.microsoft.com/office/drawing/2010/main" w="9525">
+                <a14:hiddenLine xmlns:a14="http://schemas.microsoft.com/office/drawing/2010/main" xmlns="" w="9525">
                   <a:solidFill>
                     <a:srgbClr val="000000"/>
                   </a:solidFill>
@@ -876,7 +874,7 @@
             </a:ln>
             <a:extLst>
               <a:ext uri="{91240B29-F687-4f45-9708-019B960494DF}">
-                <a14:hiddenLine xmlns="" xmlns:a14="http://schemas.microsoft.com/office/drawing/2010/main" w="9525">
+                <a14:hiddenLine xmlns:a14="http://schemas.microsoft.com/office/drawing/2010/main" xmlns="" w="9525">
                   <a:solidFill>
                     <a:srgbClr val="000000"/>
                   </a:solidFill>
@@ -966,7 +964,7 @@
             </a:ln>
             <a:extLst>
               <a:ext uri="{91240B29-F687-4f45-9708-019B960494DF}">
-                <a14:hiddenLine xmlns="" xmlns:a14="http://schemas.microsoft.com/office/drawing/2010/main" w="9525">
+                <a14:hiddenLine xmlns:a14="http://schemas.microsoft.com/office/drawing/2010/main" xmlns="" w="9525">
                   <a:solidFill>
                     <a:srgbClr val="000000"/>
                   </a:solidFill>
@@ -1056,7 +1054,7 @@
             </a:ln>
             <a:extLst>
               <a:ext uri="{91240B29-F687-4f45-9708-019B960494DF}">
-                <a14:hiddenLine xmlns="" xmlns:a14="http://schemas.microsoft.com/office/drawing/2010/main" w="9525">
+                <a14:hiddenLine xmlns:a14="http://schemas.microsoft.com/office/drawing/2010/main" xmlns="" w="9525">
                   <a:solidFill>
                     <a:srgbClr val="000000"/>
                   </a:solidFill>
@@ -1118,7 +1116,7 @@
             </a:ln>
             <a:extLst>
               <a:ext uri="{91240B29-F687-4f45-9708-019B960494DF}">
-                <a14:hiddenLine xmlns="" xmlns:a14="http://schemas.microsoft.com/office/drawing/2010/main" w="9525">
+                <a14:hiddenLine xmlns:a14="http://schemas.microsoft.com/office/drawing/2010/main" xmlns="" w="9525">
                   <a:solidFill>
                     <a:srgbClr val="000000"/>
                   </a:solidFill>
@@ -1228,7 +1226,7 @@
             </a:ln>
             <a:extLst>
               <a:ext uri="{91240B29-F687-4f45-9708-019B960494DF}">
-                <a14:hiddenLine xmlns="" xmlns:a14="http://schemas.microsoft.com/office/drawing/2010/main" w="9525">
+                <a14:hiddenLine xmlns:a14="http://schemas.microsoft.com/office/drawing/2010/main" xmlns="" w="9525">
                   <a:solidFill>
                     <a:srgbClr val="000000"/>
                   </a:solidFill>
@@ -1290,7 +1288,7 @@
             </a:ln>
             <a:extLst>
               <a:ext uri="{91240B29-F687-4f45-9708-019B960494DF}">
-                <a14:hiddenLine xmlns="" xmlns:a14="http://schemas.microsoft.com/office/drawing/2010/main" w="9525">
+                <a14:hiddenLine xmlns:a14="http://schemas.microsoft.com/office/drawing/2010/main" xmlns="" w="9525">
                   <a:solidFill>
                     <a:srgbClr val="000000"/>
                   </a:solidFill>
@@ -1380,7 +1378,7 @@
             </a:ln>
             <a:extLst>
               <a:ext uri="{91240B29-F687-4f45-9708-019B960494DF}">
-                <a14:hiddenLine xmlns="" xmlns:a14="http://schemas.microsoft.com/office/drawing/2010/main" w="9525">
+                <a14:hiddenLine xmlns:a14="http://schemas.microsoft.com/office/drawing/2010/main" xmlns="" w="9525">
                   <a:solidFill>
                     <a:srgbClr val="000000"/>
                   </a:solidFill>
@@ -1470,7 +1468,7 @@
             </a:ln>
             <a:extLst>
               <a:ext uri="{91240B29-F687-4f45-9708-019B960494DF}">
-                <a14:hiddenLine xmlns="" xmlns:a14="http://schemas.microsoft.com/office/drawing/2010/main" w="9525">
+                <a14:hiddenLine xmlns:a14="http://schemas.microsoft.com/office/drawing/2010/main" xmlns="" w="9525">
                   <a:solidFill>
                     <a:srgbClr val="000000"/>
                   </a:solidFill>
@@ -1532,7 +1530,7 @@
             </a:ln>
             <a:extLst>
               <a:ext uri="{91240B29-F687-4f45-9708-019B960494DF}">
-                <a14:hiddenLine xmlns="" xmlns:a14="http://schemas.microsoft.com/office/drawing/2010/main" w="9525">
+                <a14:hiddenLine xmlns:a14="http://schemas.microsoft.com/office/drawing/2010/main" xmlns="" w="9525">
                   <a:solidFill>
                     <a:srgbClr val="000000"/>
                   </a:solidFill>
@@ -1622,7 +1620,7 @@
             </a:ln>
             <a:extLst>
               <a:ext uri="{91240B29-F687-4f45-9708-019B960494DF}">
-                <a14:hiddenLine xmlns="" xmlns:a14="http://schemas.microsoft.com/office/drawing/2010/main" w="9525">
+                <a14:hiddenLine xmlns:a14="http://schemas.microsoft.com/office/drawing/2010/main" xmlns="" w="9525">
                   <a:solidFill>
                     <a:srgbClr val="000000"/>
                   </a:solidFill>
@@ -1712,7 +1710,7 @@
             </a:ln>
             <a:extLst>
               <a:ext uri="{91240B29-F687-4f45-9708-019B960494DF}">
-                <a14:hiddenLine xmlns="" xmlns:a14="http://schemas.microsoft.com/office/drawing/2010/main" w="9525">
+                <a14:hiddenLine xmlns:a14="http://schemas.microsoft.com/office/drawing/2010/main" xmlns="" w="9525">
                   <a:solidFill>
                     <a:srgbClr val="000000"/>
                   </a:solidFill>
@@ -1768,7 +1766,7 @@
             </a:ln>
             <a:extLst>
               <a:ext uri="{91240B29-F687-4f45-9708-019B960494DF}">
-                <a14:hiddenLine xmlns="" xmlns:a14="http://schemas.microsoft.com/office/drawing/2010/main" w="9525">
+                <a14:hiddenLine xmlns:a14="http://schemas.microsoft.com/office/drawing/2010/main" xmlns="" w="9525">
                   <a:solidFill>
                     <a:srgbClr val="000000"/>
                   </a:solidFill>
@@ -1858,7 +1856,7 @@
             </a:ln>
             <a:extLst>
               <a:ext uri="{91240B29-F687-4f45-9708-019B960494DF}">
-                <a14:hiddenLine xmlns="" xmlns:a14="http://schemas.microsoft.com/office/drawing/2010/main" w="9525">
+                <a14:hiddenLine xmlns:a14="http://schemas.microsoft.com/office/drawing/2010/main" xmlns="" w="9525">
                   <a:solidFill>
                     <a:srgbClr val="000000"/>
                   </a:solidFill>
@@ -1914,7 +1912,7 @@
             </a:ln>
             <a:extLst>
               <a:ext uri="{91240B29-F687-4f45-9708-019B960494DF}">
-                <a14:hiddenLine xmlns="" xmlns:a14="http://schemas.microsoft.com/office/drawing/2010/main" w="9525">
+                <a14:hiddenLine xmlns:a14="http://schemas.microsoft.com/office/drawing/2010/main" xmlns="" w="9525">
                   <a:solidFill>
                     <a:srgbClr val="000000"/>
                   </a:solidFill>
@@ -2004,7 +2002,7 @@
             </a:ln>
             <a:extLst>
               <a:ext uri="{91240B29-F687-4f45-9708-019B960494DF}">
-                <a14:hiddenLine xmlns="" xmlns:a14="http://schemas.microsoft.com/office/drawing/2010/main" w="9525">
+                <a14:hiddenLine xmlns:a14="http://schemas.microsoft.com/office/drawing/2010/main" xmlns="" w="9525">
                   <a:solidFill>
                     <a:srgbClr val="000000"/>
                   </a:solidFill>
@@ -2072,7 +2070,7 @@
             </a:ln>
             <a:extLst>
               <a:ext uri="{91240B29-F687-4f45-9708-019B960494DF}">
-                <a14:hiddenLine xmlns="" xmlns:a14="http://schemas.microsoft.com/office/drawing/2010/main" w="9525">
+                <a14:hiddenLine xmlns:a14="http://schemas.microsoft.com/office/drawing/2010/main" xmlns="" w="9525">
                   <a:solidFill>
                     <a:srgbClr val="000000"/>
                   </a:solidFill>
@@ -2162,7 +2160,7 @@
             </a:ln>
             <a:extLst>
               <a:ext uri="{91240B29-F687-4f45-9708-019B960494DF}">
-                <a14:hiddenLine xmlns="" xmlns:a14="http://schemas.microsoft.com/office/drawing/2010/main" w="9525">
+                <a14:hiddenLine xmlns:a14="http://schemas.microsoft.com/office/drawing/2010/main" xmlns="" w="9525">
                   <a:solidFill>
                     <a:srgbClr val="000000"/>
                   </a:solidFill>
@@ -2230,7 +2228,7 @@
             </a:ln>
             <a:extLst>
               <a:ext uri="{91240B29-F687-4f45-9708-019B960494DF}">
-                <a14:hiddenLine xmlns="" xmlns:a14="http://schemas.microsoft.com/office/drawing/2010/main" w="9525">
+                <a14:hiddenLine xmlns:a14="http://schemas.microsoft.com/office/drawing/2010/main" xmlns="" w="9525">
                   <a:solidFill>
                     <a:srgbClr val="000000"/>
                   </a:solidFill>
@@ -2320,7 +2318,7 @@
             </a:ln>
             <a:extLst>
               <a:ext uri="{91240B29-F687-4f45-9708-019B960494DF}">
-                <a14:hiddenLine xmlns="" xmlns:a14="http://schemas.microsoft.com/office/drawing/2010/main" w="9525">
+                <a14:hiddenLine xmlns:a14="http://schemas.microsoft.com/office/drawing/2010/main" xmlns="" w="9525">
                   <a:solidFill>
                     <a:srgbClr val="000000"/>
                   </a:solidFill>
@@ -2354,7 +2352,7 @@
             </a:ln>
             <a:extLst>
               <a:ext uri="{91240B29-F687-4f45-9708-019B960494DF}">
-                <a14:hiddenLine xmlns="" xmlns:a14="http://schemas.microsoft.com/office/drawing/2010/main" w="9525">
+                <a14:hiddenLine xmlns:a14="http://schemas.microsoft.com/office/drawing/2010/main" xmlns="" w="9525">
                   <a:solidFill>
                     <a:srgbClr val="000000"/>
                   </a:solidFill>
@@ -2444,7 +2442,7 @@
             </a:ln>
             <a:extLst>
               <a:ext uri="{91240B29-F687-4f45-9708-019B960494DF}">
-                <a14:hiddenLine xmlns="" xmlns:a14="http://schemas.microsoft.com/office/drawing/2010/main" w="9525">
+                <a14:hiddenLine xmlns:a14="http://schemas.microsoft.com/office/drawing/2010/main" xmlns="" w="9525">
                   <a:solidFill>
                     <a:srgbClr val="000000"/>
                   </a:solidFill>
@@ -2506,7 +2504,7 @@
             </a:ln>
             <a:extLst>
               <a:ext uri="{91240B29-F687-4f45-9708-019B960494DF}">
-                <a14:hiddenLine xmlns="" xmlns:a14="http://schemas.microsoft.com/office/drawing/2010/main" w="9525">
+                <a14:hiddenLine xmlns:a14="http://schemas.microsoft.com/office/drawing/2010/main" xmlns="" w="9525">
                   <a:solidFill>
                     <a:srgbClr val="000000"/>
                   </a:solidFill>
@@ -2568,7 +2566,7 @@
             </a:ln>
             <a:extLst>
               <a:ext uri="{91240B29-F687-4f45-9708-019B960494DF}">
-                <a14:hiddenLine xmlns="" xmlns:a14="http://schemas.microsoft.com/office/drawing/2010/main" w="9525">
+                <a14:hiddenLine xmlns:a14="http://schemas.microsoft.com/office/drawing/2010/main" xmlns="" w="9525">
                   <a:solidFill>
                     <a:srgbClr val="000000"/>
                   </a:solidFill>
@@ -2658,7 +2656,7 @@
             </a:ln>
             <a:extLst>
               <a:ext uri="{91240B29-F687-4f45-9708-019B960494DF}">
-                <a14:hiddenLine xmlns="" xmlns:a14="http://schemas.microsoft.com/office/drawing/2010/main" w="9525">
+                <a14:hiddenLine xmlns:a14="http://schemas.microsoft.com/office/drawing/2010/main" xmlns="" w="9525">
                   <a:solidFill>
                     <a:srgbClr val="000000"/>
                   </a:solidFill>
@@ -2726,7 +2724,7 @@
             </a:ln>
             <a:extLst>
               <a:ext uri="{91240B29-F687-4f45-9708-019B960494DF}">
-                <a14:hiddenLine xmlns="" xmlns:a14="http://schemas.microsoft.com/office/drawing/2010/main" w="9525">
+                <a14:hiddenLine xmlns:a14="http://schemas.microsoft.com/office/drawing/2010/main" xmlns="" w="9525">
                   <a:solidFill>
                     <a:srgbClr val="000000"/>
                   </a:solidFill>
@@ -2788,7 +2786,7 @@
             </a:ln>
             <a:extLst>
               <a:ext uri="{91240B29-F687-4f45-9708-019B960494DF}">
-                <a14:hiddenLine xmlns="" xmlns:a14="http://schemas.microsoft.com/office/drawing/2010/main" w="9525">
+                <a14:hiddenLine xmlns:a14="http://schemas.microsoft.com/office/drawing/2010/main" xmlns="" w="9525">
                   <a:solidFill>
                     <a:srgbClr val="000000"/>
                   </a:solidFill>
@@ -2878,7 +2876,7 @@
             </a:ln>
             <a:extLst>
               <a:ext uri="{91240B29-F687-4f45-9708-019B960494DF}">
-                <a14:hiddenLine xmlns="" xmlns:a14="http://schemas.microsoft.com/office/drawing/2010/main" w="9525">
+                <a14:hiddenLine xmlns:a14="http://schemas.microsoft.com/office/drawing/2010/main" xmlns="" w="9525">
                   <a:solidFill>
                     <a:srgbClr val="000000"/>
                   </a:solidFill>
@@ -2940,7 +2938,7 @@
             </a:ln>
             <a:extLst>
               <a:ext uri="{91240B29-F687-4f45-9708-019B960494DF}">
-                <a14:hiddenLine xmlns="" xmlns:a14="http://schemas.microsoft.com/office/drawing/2010/main" w="9525">
+                <a14:hiddenLine xmlns:a14="http://schemas.microsoft.com/office/drawing/2010/main" xmlns="" w="9525">
                   <a:solidFill>
                     <a:srgbClr val="000000"/>
                   </a:solidFill>
@@ -3030,7 +3028,7 @@
             </a:ln>
             <a:extLst>
               <a:ext uri="{91240B29-F687-4f45-9708-019B960494DF}">
-                <a14:hiddenLine xmlns="" xmlns:a14="http://schemas.microsoft.com/office/drawing/2010/main" w="9525">
+                <a14:hiddenLine xmlns:a14="http://schemas.microsoft.com/office/drawing/2010/main" xmlns="" w="9525">
                   <a:solidFill>
                     <a:srgbClr val="000000"/>
                   </a:solidFill>
@@ -3092,7 +3090,7 @@
             </a:ln>
             <a:extLst>
               <a:ext uri="{91240B29-F687-4f45-9708-019B960494DF}">
-                <a14:hiddenLine xmlns="" xmlns:a14="http://schemas.microsoft.com/office/drawing/2010/main" w="9525">
+                <a14:hiddenLine xmlns:a14="http://schemas.microsoft.com/office/drawing/2010/main" xmlns="" w="9525">
                   <a:solidFill>
                     <a:srgbClr val="000000"/>
                   </a:solidFill>
@@ -3182,7 +3180,7 @@
             </a:ln>
             <a:extLst>
               <a:ext uri="{91240B29-F687-4f45-9708-019B960494DF}">
-                <a14:hiddenLine xmlns="" xmlns:a14="http://schemas.microsoft.com/office/drawing/2010/main" w="9525">
+                <a14:hiddenLine xmlns:a14="http://schemas.microsoft.com/office/drawing/2010/main" xmlns="" w="9525">
                   <a:solidFill>
                     <a:srgbClr val="000000"/>
                   </a:solidFill>
@@ -3216,7 +3214,7 @@
             </a:ln>
             <a:extLst>
               <a:ext uri="{91240B29-F687-4f45-9708-019B960494DF}">
-                <a14:hiddenLine xmlns="" xmlns:a14="http://schemas.microsoft.com/office/drawing/2010/main" w="9525">
+                <a14:hiddenLine xmlns:a14="http://schemas.microsoft.com/office/drawing/2010/main" xmlns="" w="9525">
                   <a:solidFill>
                     <a:srgbClr val="000000"/>
                   </a:solidFill>
@@ -3281,7 +3279,7 @@
             </a:ln>
             <a:extLst>
               <a:ext uri="{91240B29-F687-4f45-9708-019B960494DF}">
-                <a14:hiddenLine xmlns="" xmlns:a14="http://schemas.microsoft.com/office/drawing/2010/main" w="9525">
+                <a14:hiddenLine xmlns:a14="http://schemas.microsoft.com/office/drawing/2010/main" xmlns="" w="9525">
                   <a:solidFill>
                     <a:srgbClr val="000000"/>
                   </a:solidFill>
@@ -3371,7 +3369,7 @@
             </a:ln>
             <a:extLst>
               <a:ext uri="{91240B29-F687-4f45-9708-019B960494DF}">
-                <a14:hiddenLine xmlns="" xmlns:a14="http://schemas.microsoft.com/office/drawing/2010/main" w="9525">
+                <a14:hiddenLine xmlns:a14="http://schemas.microsoft.com/office/drawing/2010/main" xmlns="" w="9525">
                   <a:solidFill>
                     <a:srgbClr val="000000"/>
                   </a:solidFill>
@@ -3433,7 +3431,7 @@
             </a:ln>
             <a:extLst>
               <a:ext uri="{91240B29-F687-4f45-9708-019B960494DF}">
-                <a14:hiddenLine xmlns="" xmlns:a14="http://schemas.microsoft.com/office/drawing/2010/main" w="9525">
+                <a14:hiddenLine xmlns:a14="http://schemas.microsoft.com/office/drawing/2010/main" xmlns="" w="9525">
                   <a:solidFill>
                     <a:srgbClr val="000000"/>
                   </a:solidFill>
@@ -3523,7 +3521,7 @@
             </a:ln>
             <a:extLst>
               <a:ext uri="{91240B29-F687-4f45-9708-019B960494DF}">
-                <a14:hiddenLine xmlns="" xmlns:a14="http://schemas.microsoft.com/office/drawing/2010/main" w="9525">
+                <a14:hiddenLine xmlns:a14="http://schemas.microsoft.com/office/drawing/2010/main" xmlns="" w="9525">
                   <a:solidFill>
                     <a:srgbClr val="000000"/>
                   </a:solidFill>
@@ -3613,7 +3611,7 @@
             </a:ln>
             <a:extLst>
               <a:ext uri="{91240B29-F687-4f45-9708-019B960494DF}">
-                <a14:hiddenLine xmlns="" xmlns:a14="http://schemas.microsoft.com/office/drawing/2010/main" w="9525">
+                <a14:hiddenLine xmlns:a14="http://schemas.microsoft.com/office/drawing/2010/main" xmlns="" w="9525">
                   <a:solidFill>
                     <a:srgbClr val="000000"/>
                   </a:solidFill>
@@ -3678,7 +3676,7 @@
             </a:ln>
             <a:extLst>
               <a:ext uri="{91240B29-F687-4f45-9708-019B960494DF}">
-                <a14:hiddenLine xmlns="" xmlns:a14="http://schemas.microsoft.com/office/drawing/2010/main" w="9525">
+                <a14:hiddenLine xmlns:a14="http://schemas.microsoft.com/office/drawing/2010/main" xmlns="" w="9525">
                   <a:solidFill>
                     <a:srgbClr val="000000"/>
                   </a:solidFill>
@@ -3740,7 +3738,7 @@
             </a:ln>
             <a:extLst>
               <a:ext uri="{91240B29-F687-4f45-9708-019B960494DF}">
-                <a14:hiddenLine xmlns="" xmlns:a14="http://schemas.microsoft.com/office/drawing/2010/main" w="9525">
+                <a14:hiddenLine xmlns:a14="http://schemas.microsoft.com/office/drawing/2010/main" xmlns="" w="9525">
                   <a:solidFill>
                     <a:srgbClr val="000000"/>
                   </a:solidFill>
@@ -3830,7 +3828,7 @@
             </a:ln>
             <a:extLst>
               <a:ext uri="{91240B29-F687-4f45-9708-019B960494DF}">
-                <a14:hiddenLine xmlns="" xmlns:a14="http://schemas.microsoft.com/office/drawing/2010/main" w="9525">
+                <a14:hiddenLine xmlns:a14="http://schemas.microsoft.com/office/drawing/2010/main" xmlns="" w="9525">
                   <a:solidFill>
                     <a:srgbClr val="000000"/>
                   </a:solidFill>
@@ -3920,7 +3918,7 @@
             </a:ln>
             <a:extLst>
               <a:ext uri="{91240B29-F687-4f45-9708-019B960494DF}">
-                <a14:hiddenLine xmlns="" xmlns:a14="http://schemas.microsoft.com/office/drawing/2010/main" w="9525">
+                <a14:hiddenLine xmlns:a14="http://schemas.microsoft.com/office/drawing/2010/main" xmlns="" w="9525">
                   <a:solidFill>
                     <a:srgbClr val="000000"/>
                   </a:solidFill>
@@ -3982,7 +3980,7 @@
             </a:ln>
             <a:extLst>
               <a:ext uri="{91240B29-F687-4f45-9708-019B960494DF}">
-                <a14:hiddenLine xmlns="" xmlns:a14="http://schemas.microsoft.com/office/drawing/2010/main" w="9525">
+                <a14:hiddenLine xmlns:a14="http://schemas.microsoft.com/office/drawing/2010/main" xmlns="" w="9525">
                   <a:solidFill>
                     <a:srgbClr val="000000"/>
                   </a:solidFill>
@@ -4102,7 +4100,7 @@
             </a:ln>
             <a:extLst>
               <a:ext uri="{91240B29-F687-4f45-9708-019B960494DF}">
-                <a14:hiddenLine xmlns="" xmlns:a14="http://schemas.microsoft.com/office/drawing/2010/main" w="9525">
+                <a14:hiddenLine xmlns:a14="http://schemas.microsoft.com/office/drawing/2010/main" xmlns="" w="9525">
                   <a:solidFill>
                     <a:srgbClr val="000000"/>
                   </a:solidFill>
@@ -4170,7 +4168,7 @@
             </a:ln>
             <a:extLst>
               <a:ext uri="{91240B29-F687-4f45-9708-019B960494DF}">
-                <a14:hiddenLine xmlns="" xmlns:a14="http://schemas.microsoft.com/office/drawing/2010/main" w="9525">
+                <a14:hiddenLine xmlns:a14="http://schemas.microsoft.com/office/drawing/2010/main" xmlns="" w="9525">
                   <a:solidFill>
                     <a:srgbClr val="000000"/>
                   </a:solidFill>
@@ -4260,7 +4258,7 @@
             </a:ln>
             <a:extLst>
               <a:ext uri="{91240B29-F687-4f45-9708-019B960494DF}">
-                <a14:hiddenLine xmlns="" xmlns:a14="http://schemas.microsoft.com/office/drawing/2010/main" w="9525">
+                <a14:hiddenLine xmlns:a14="http://schemas.microsoft.com/office/drawing/2010/main" xmlns="" w="9525">
                   <a:solidFill>
                     <a:srgbClr val="000000"/>
                   </a:solidFill>
@@ -4400,7 +4398,7 @@
           <a:p>
             <a:fld id="{48A87A34-81AB-432B-8DAE-1953F412C126}" type="datetimeFigureOut">
               <a:rPr lang="en-US" dirty="0"/>
-              <a:t>3/8/2015</a:t>
+              <a:t>3/22/2015</a:t>
             </a:fld>
             <a:endParaRPr lang="en-US" dirty="0"/>
           </a:p>
@@ -4463,6 +4461,18 @@
   <p:clrMapOvr>
     <a:masterClrMapping/>
   </p:clrMapOvr>
+  <mc:AlternateContent xmlns:mc="http://schemas.openxmlformats.org/markup-compatibility/2006">
+    <mc:Choice xmlns:p14="http://schemas.microsoft.com/office/powerpoint/2010/main" Requires="p14">
+      <p:transition spd="slow" p14:dur="1500">
+        <p:random/>
+      </p:transition>
+    </mc:Choice>
+    <mc:Fallback>
+      <p:transition spd="slow">
+        <p:random/>
+      </p:transition>
+    </mc:Fallback>
+  </mc:AlternateContent>
 </p:sldLayout>
 </file>
 
@@ -4662,7 +4672,7 @@
           <a:p>
             <a:fld id="{48A87A34-81AB-432B-8DAE-1953F412C126}" type="datetimeFigureOut">
               <a:rPr lang="en-US" dirty="0"/>
-              <a:t>3/8/2015</a:t>
+              <a:t>3/22/2015</a:t>
             </a:fld>
             <a:endParaRPr lang="en-US" dirty="0"/>
           </a:p>
@@ -4715,6 +4725,18 @@
   <p:clrMapOvr>
     <a:masterClrMapping/>
   </p:clrMapOvr>
+  <mc:AlternateContent xmlns:mc="http://schemas.openxmlformats.org/markup-compatibility/2006">
+    <mc:Choice xmlns:p14="http://schemas.microsoft.com/office/powerpoint/2010/main" Requires="p14">
+      <p:transition spd="slow" p14:dur="1500">
+        <p:random/>
+      </p:transition>
+    </mc:Choice>
+    <mc:Fallback>
+      <p:transition spd="slow">
+        <p:random/>
+      </p:transition>
+    </mc:Fallback>
+  </mc:AlternateContent>
 </p:sldLayout>
 </file>
 
@@ -4853,7 +4875,7 @@
           <a:p>
             <a:fld id="{48A87A34-81AB-432B-8DAE-1953F412C126}" type="datetimeFigureOut">
               <a:rPr lang="en-US" dirty="0"/>
-              <a:t>3/8/2015</a:t>
+              <a:t>3/22/2015</a:t>
             </a:fld>
             <a:endParaRPr lang="en-US" dirty="0"/>
           </a:p>
@@ -4906,6 +4928,18 @@
   <p:clrMapOvr>
     <a:masterClrMapping/>
   </p:clrMapOvr>
+  <mc:AlternateContent xmlns:mc="http://schemas.openxmlformats.org/markup-compatibility/2006">
+    <mc:Choice xmlns:p14="http://schemas.microsoft.com/office/powerpoint/2010/main" Requires="p14">
+      <p:transition spd="slow" p14:dur="1500">
+        <p:random/>
+      </p:transition>
+    </mc:Choice>
+    <mc:Fallback>
+      <p:transition spd="slow">
+        <p:random/>
+      </p:transition>
+    </mc:Fallback>
+  </mc:AlternateContent>
 </p:sldLayout>
 </file>
 
@@ -5111,7 +5145,7 @@
           <a:p>
             <a:fld id="{48A87A34-81AB-432B-8DAE-1953F412C126}" type="datetimeFigureOut">
               <a:rPr lang="en-US" dirty="0"/>
-              <a:t>3/8/2015</a:t>
+              <a:t>3/22/2015</a:t>
             </a:fld>
             <a:endParaRPr lang="en-US" dirty="0"/>
           </a:p>
@@ -5402,6 +5436,18 @@
   <p:clrMapOvr>
     <a:masterClrMapping/>
   </p:clrMapOvr>
+  <mc:AlternateContent xmlns:mc="http://schemas.openxmlformats.org/markup-compatibility/2006">
+    <mc:Choice xmlns:p14="http://schemas.microsoft.com/office/powerpoint/2010/main" Requires="p14">
+      <p:transition spd="slow" p14:dur="1500">
+        <p:random/>
+      </p:transition>
+    </mc:Choice>
+    <mc:Fallback>
+      <p:transition spd="slow">
+        <p:random/>
+      </p:transition>
+    </mc:Fallback>
+  </mc:AlternateContent>
 </p:sldLayout>
 </file>
 
@@ -5540,7 +5586,7 @@
           <a:p>
             <a:fld id="{48A87A34-81AB-432B-8DAE-1953F412C126}" type="datetimeFigureOut">
               <a:rPr lang="en-US" dirty="0"/>
-              <a:t>3/8/2015</a:t>
+              <a:t>3/22/2015</a:t>
             </a:fld>
             <a:endParaRPr lang="en-US" dirty="0"/>
           </a:p>
@@ -5593,6 +5639,18 @@
   <p:clrMapOvr>
     <a:masterClrMapping/>
   </p:clrMapOvr>
+  <mc:AlternateContent xmlns:mc="http://schemas.openxmlformats.org/markup-compatibility/2006">
+    <mc:Choice xmlns:p14="http://schemas.microsoft.com/office/powerpoint/2010/main" Requires="p14">
+      <p:transition spd="slow" p14:dur="1500">
+        <p:random/>
+      </p:transition>
+    </mc:Choice>
+    <mc:Fallback>
+      <p:transition spd="slow">
+        <p:random/>
+      </p:transition>
+    </mc:Fallback>
+  </mc:AlternateContent>
 </p:sldLayout>
 </file>
 
@@ -6081,7 +6139,7 @@
           <a:p>
             <a:fld id="{48A87A34-81AB-432B-8DAE-1953F412C126}" type="datetimeFigureOut">
               <a:rPr lang="en-US" dirty="0"/>
-              <a:t>3/8/2015</a:t>
+              <a:t>3/22/2015</a:t>
             </a:fld>
             <a:endParaRPr lang="en-US" dirty="0"/>
           </a:p>
@@ -6134,6 +6192,18 @@
   <p:clrMapOvr>
     <a:masterClrMapping/>
   </p:clrMapOvr>
+  <mc:AlternateContent xmlns:mc="http://schemas.openxmlformats.org/markup-compatibility/2006">
+    <mc:Choice xmlns:p14="http://schemas.microsoft.com/office/powerpoint/2010/main" Requires="p14">
+      <p:transition spd="slow" p14:dur="1500">
+        <p:random/>
+      </p:transition>
+    </mc:Choice>
+    <mc:Fallback>
+      <p:transition spd="slow">
+        <p:random/>
+      </p:transition>
+    </mc:Fallback>
+  </mc:AlternateContent>
 </p:sldLayout>
 </file>
 
@@ -6796,7 +6866,7 @@
           <a:p>
             <a:fld id="{48A87A34-81AB-432B-8DAE-1953F412C126}" type="datetimeFigureOut">
               <a:rPr lang="en-US" dirty="0"/>
-              <a:t>3/8/2015</a:t>
+              <a:t>3/22/2015</a:t>
             </a:fld>
             <a:endParaRPr lang="en-US" dirty="0"/>
           </a:p>
@@ -6849,6 +6919,18 @@
   <p:clrMapOvr>
     <a:masterClrMapping/>
   </p:clrMapOvr>
+  <mc:AlternateContent xmlns:mc="http://schemas.openxmlformats.org/markup-compatibility/2006">
+    <mc:Choice xmlns:p14="http://schemas.microsoft.com/office/powerpoint/2010/main" Requires="p14">
+      <p:transition spd="slow" p14:dur="1500">
+        <p:random/>
+      </p:transition>
+    </mc:Choice>
+    <mc:Fallback>
+      <p:transition spd="slow">
+        <p:random/>
+      </p:transition>
+    </mc:Fallback>
+  </mc:AlternateContent>
 </p:sldLayout>
 </file>
 
@@ -6961,7 +7043,7 @@
           <a:p>
             <a:fld id="{48A87A34-81AB-432B-8DAE-1953F412C126}" type="datetimeFigureOut">
               <a:rPr lang="en-US" dirty="0"/>
-              <a:t>3/8/2015</a:t>
+              <a:t>3/22/2015</a:t>
             </a:fld>
             <a:endParaRPr lang="en-US" dirty="0"/>
           </a:p>
@@ -7014,6 +7096,18 @@
   <p:clrMapOvr>
     <a:masterClrMapping/>
   </p:clrMapOvr>
+  <mc:AlternateContent xmlns:mc="http://schemas.openxmlformats.org/markup-compatibility/2006">
+    <mc:Choice xmlns:p14="http://schemas.microsoft.com/office/powerpoint/2010/main" Requires="p14">
+      <p:transition spd="slow" p14:dur="1500">
+        <p:random/>
+      </p:transition>
+    </mc:Choice>
+    <mc:Fallback>
+      <p:transition spd="slow">
+        <p:random/>
+      </p:transition>
+    </mc:Fallback>
+  </mc:AlternateContent>
 </p:sldLayout>
 </file>
 
@@ -7136,7 +7230,7 @@
           <a:p>
             <a:fld id="{48A87A34-81AB-432B-8DAE-1953F412C126}" type="datetimeFigureOut">
               <a:rPr lang="en-US" dirty="0"/>
-              <a:t>3/8/2015</a:t>
+              <a:t>3/22/2015</a:t>
             </a:fld>
             <a:endParaRPr lang="en-US" dirty="0"/>
           </a:p>
@@ -7189,6 +7283,18 @@
   <p:clrMapOvr>
     <a:masterClrMapping/>
   </p:clrMapOvr>
+  <mc:AlternateContent xmlns:mc="http://schemas.openxmlformats.org/markup-compatibility/2006">
+    <mc:Choice xmlns:p14="http://schemas.microsoft.com/office/powerpoint/2010/main" Requires="p14">
+      <p:transition spd="slow" p14:dur="1500">
+        <p:random/>
+      </p:transition>
+    </mc:Choice>
+    <mc:Fallback>
+      <p:transition spd="slow">
+        <p:random/>
+      </p:transition>
+    </mc:Fallback>
+  </mc:AlternateContent>
 </p:sldLayout>
 </file>
 
@@ -7301,7 +7407,7 @@
           <a:p>
             <a:fld id="{48A87A34-81AB-432B-8DAE-1953F412C126}" type="datetimeFigureOut">
               <a:rPr lang="en-US" dirty="0"/>
-              <a:t>3/8/2015</a:t>
+              <a:t>3/22/2015</a:t>
             </a:fld>
             <a:endParaRPr lang="en-US" dirty="0"/>
           </a:p>
@@ -7354,6 +7460,18 @@
   <p:clrMapOvr>
     <a:masterClrMapping/>
   </p:clrMapOvr>
+  <mc:AlternateContent xmlns:mc="http://schemas.openxmlformats.org/markup-compatibility/2006">
+    <mc:Choice xmlns:p14="http://schemas.microsoft.com/office/powerpoint/2010/main" Requires="p14">
+      <p:transition spd="slow" p14:dur="1500">
+        <p:random/>
+      </p:transition>
+    </mc:Choice>
+    <mc:Fallback>
+      <p:transition spd="slow">
+        <p:random/>
+      </p:transition>
+    </mc:Fallback>
+  </mc:AlternateContent>
 </p:sldLayout>
 </file>
 
@@ -7546,7 +7664,7 @@
           <a:p>
             <a:fld id="{48A87A34-81AB-432B-8DAE-1953F412C126}" type="datetimeFigureOut">
               <a:rPr lang="en-US" dirty="0"/>
-              <a:t>3/8/2015</a:t>
+              <a:t>3/22/2015</a:t>
             </a:fld>
             <a:endParaRPr lang="en-US" dirty="0"/>
           </a:p>
@@ -7599,6 +7717,18 @@
   <p:clrMapOvr>
     <a:masterClrMapping/>
   </p:clrMapOvr>
+  <mc:AlternateContent xmlns:mc="http://schemas.openxmlformats.org/markup-compatibility/2006">
+    <mc:Choice xmlns:p14="http://schemas.microsoft.com/office/powerpoint/2010/main" Requires="p14">
+      <p:transition spd="slow" p14:dur="1500">
+        <p:random/>
+      </p:transition>
+    </mc:Choice>
+    <mc:Fallback>
+      <p:transition spd="slow">
+        <p:random/>
+      </p:transition>
+    </mc:Fallback>
+  </mc:AlternateContent>
 </p:sldLayout>
 </file>
 
@@ -7773,7 +7903,7 @@
           <a:p>
             <a:fld id="{48A87A34-81AB-432B-8DAE-1953F412C126}" type="datetimeFigureOut">
               <a:rPr lang="en-US" dirty="0"/>
-              <a:t>3/8/2015</a:t>
+              <a:t>3/22/2015</a:t>
             </a:fld>
             <a:endParaRPr lang="en-US" dirty="0"/>
           </a:p>
@@ -7826,6 +7956,18 @@
   <p:clrMapOvr>
     <a:masterClrMapping/>
   </p:clrMapOvr>
+  <mc:AlternateContent xmlns:mc="http://schemas.openxmlformats.org/markup-compatibility/2006">
+    <mc:Choice xmlns:p14="http://schemas.microsoft.com/office/powerpoint/2010/main" Requires="p14">
+      <p:transition spd="slow" p14:dur="1500">
+        <p:random/>
+      </p:transition>
+    </mc:Choice>
+    <mc:Fallback>
+      <p:transition spd="slow">
+        <p:random/>
+      </p:transition>
+    </mc:Fallback>
+  </mc:AlternateContent>
 </p:sldLayout>
 </file>
 
@@ -8149,7 +8291,7 @@
           <a:p>
             <a:fld id="{48A87A34-81AB-432B-8DAE-1953F412C126}" type="datetimeFigureOut">
               <a:rPr lang="en-US" dirty="0"/>
-              <a:t>3/8/2015</a:t>
+              <a:t>3/22/2015</a:t>
             </a:fld>
             <a:endParaRPr lang="en-US" dirty="0"/>
           </a:p>
@@ -8202,6 +8344,18 @@
   <p:clrMapOvr>
     <a:masterClrMapping/>
   </p:clrMapOvr>
+  <mc:AlternateContent xmlns:mc="http://schemas.openxmlformats.org/markup-compatibility/2006">
+    <mc:Choice xmlns:p14="http://schemas.microsoft.com/office/powerpoint/2010/main" Requires="p14">
+      <p:transition spd="slow" p14:dur="1500">
+        <p:random/>
+      </p:transition>
+    </mc:Choice>
+    <mc:Fallback>
+      <p:transition spd="slow">
+        <p:random/>
+      </p:transition>
+    </mc:Fallback>
+  </mc:AlternateContent>
 </p:sldLayout>
 </file>
 
@@ -8262,7 +8416,7 @@
           <a:p>
             <a:fld id="{48A87A34-81AB-432B-8DAE-1953F412C126}" type="datetimeFigureOut">
               <a:rPr lang="en-US" dirty="0"/>
-              <a:t>3/8/2015</a:t>
+              <a:t>3/22/2015</a:t>
             </a:fld>
             <a:endParaRPr lang="en-US" dirty="0"/>
           </a:p>
@@ -8315,6 +8469,18 @@
   <p:clrMapOvr>
     <a:masterClrMapping/>
   </p:clrMapOvr>
+  <mc:AlternateContent xmlns:mc="http://schemas.openxmlformats.org/markup-compatibility/2006">
+    <mc:Choice xmlns:p14="http://schemas.microsoft.com/office/powerpoint/2010/main" Requires="p14">
+      <p:transition spd="slow" p14:dur="1500">
+        <p:random/>
+      </p:transition>
+    </mc:Choice>
+    <mc:Fallback>
+      <p:transition spd="slow">
+        <p:random/>
+      </p:transition>
+    </mc:Fallback>
+  </mc:AlternateContent>
 </p:sldLayout>
 </file>
 
@@ -8352,7 +8518,7 @@
           <a:p>
             <a:fld id="{48A87A34-81AB-432B-8DAE-1953F412C126}" type="datetimeFigureOut">
               <a:rPr lang="en-US" dirty="0"/>
-              <a:t>3/8/2015</a:t>
+              <a:t>3/22/2015</a:t>
             </a:fld>
             <a:endParaRPr lang="en-US" dirty="0"/>
           </a:p>
@@ -8405,6 +8571,18 @@
   <p:clrMapOvr>
     <a:masterClrMapping/>
   </p:clrMapOvr>
+  <mc:AlternateContent xmlns:mc="http://schemas.openxmlformats.org/markup-compatibility/2006">
+    <mc:Choice xmlns:p14="http://schemas.microsoft.com/office/powerpoint/2010/main" Requires="p14">
+      <p:transition spd="slow" p14:dur="1500">
+        <p:random/>
+      </p:transition>
+    </mc:Choice>
+    <mc:Fallback>
+      <p:transition spd="slow">
+        <p:random/>
+      </p:transition>
+    </mc:Fallback>
+  </mc:AlternateContent>
 </p:sldLayout>
 </file>
 
@@ -8596,7 +8774,7 @@
           <a:p>
             <a:fld id="{48A87A34-81AB-432B-8DAE-1953F412C126}" type="datetimeFigureOut">
               <a:rPr lang="en-US" dirty="0"/>
-              <a:t>3/8/2015</a:t>
+              <a:t>3/22/2015</a:t>
             </a:fld>
             <a:endParaRPr lang="en-US" dirty="0"/>
           </a:p>
@@ -8649,6 +8827,18 @@
   <p:clrMapOvr>
     <a:masterClrMapping/>
   </p:clrMapOvr>
+  <mc:AlternateContent xmlns:mc="http://schemas.openxmlformats.org/markup-compatibility/2006">
+    <mc:Choice xmlns:p14="http://schemas.microsoft.com/office/powerpoint/2010/main" Requires="p14">
+      <p:transition spd="slow" p14:dur="1500">
+        <p:random/>
+      </p:transition>
+    </mc:Choice>
+    <mc:Fallback>
+      <p:transition spd="slow">
+        <p:random/>
+      </p:transition>
+    </mc:Fallback>
+  </mc:AlternateContent>
 </p:sldLayout>
 </file>
 
@@ -8871,7 +9061,7 @@
           <a:p>
             <a:fld id="{48A87A34-81AB-432B-8DAE-1953F412C126}" type="datetimeFigureOut">
               <a:rPr lang="en-US" dirty="0"/>
-              <a:t>3/8/2015</a:t>
+              <a:t>3/22/2015</a:t>
             </a:fld>
             <a:endParaRPr lang="en-US" dirty="0"/>
           </a:p>
@@ -8924,6 +9114,18 @@
   <p:clrMapOvr>
     <a:masterClrMapping/>
   </p:clrMapOvr>
+  <mc:AlternateContent xmlns:mc="http://schemas.openxmlformats.org/markup-compatibility/2006">
+    <mc:Choice xmlns:p14="http://schemas.microsoft.com/office/powerpoint/2010/main" Requires="p14">
+      <p:transition spd="slow" p14:dur="1500">
+        <p:random/>
+      </p:transition>
+    </mc:Choice>
+    <mc:Fallback>
+      <p:transition spd="slow">
+        <p:random/>
+      </p:transition>
+    </mc:Fallback>
+  </mc:AlternateContent>
 </p:sldLayout>
 </file>
 
@@ -8989,7 +9191,7 @@
           <a:noFill/>
           <a:extLst>
             <a:ext uri="{909E8E84-426E-40dd-AFC4-6F175D3DCCD1}">
-              <a14:hiddenFill xmlns="" xmlns:a14="http://schemas.microsoft.com/office/drawing/2010/main">
+              <a14:hiddenFill xmlns:a14="http://schemas.microsoft.com/office/drawing/2010/main" xmlns="">
                 <a:solidFill>
                   <a:srgbClr val="FFFFFF"/>
                 </a:solidFill>
@@ -9063,7 +9265,7 @@
               </a:ln>
               <a:extLst>
                 <a:ext uri="{91240B29-F687-4f45-9708-019B960494DF}">
-                  <a14:hiddenLine xmlns="" xmlns:a14="http://schemas.microsoft.com/office/drawing/2010/main" w="9525">
+                  <a14:hiddenLine xmlns:a14="http://schemas.microsoft.com/office/drawing/2010/main" xmlns="" w="9525">
                     <a:solidFill>
                       <a:srgbClr val="000000"/>
                     </a:solidFill>
@@ -9153,7 +9355,7 @@
               </a:ln>
               <a:extLst>
                 <a:ext uri="{91240B29-F687-4f45-9708-019B960494DF}">
-                  <a14:hiddenLine xmlns="" xmlns:a14="http://schemas.microsoft.com/office/drawing/2010/main" w="9525">
+                  <a14:hiddenLine xmlns:a14="http://schemas.microsoft.com/office/drawing/2010/main" xmlns="" w="9525">
                     <a:solidFill>
                       <a:srgbClr val="000000"/>
                     </a:solidFill>
@@ -9243,7 +9445,7 @@
               </a:ln>
               <a:extLst>
                 <a:ext uri="{91240B29-F687-4f45-9708-019B960494DF}">
-                  <a14:hiddenLine xmlns="" xmlns:a14="http://schemas.microsoft.com/office/drawing/2010/main" w="9525">
+                  <a14:hiddenLine xmlns:a14="http://schemas.microsoft.com/office/drawing/2010/main" xmlns="" w="9525">
                     <a:solidFill>
                       <a:srgbClr val="000000"/>
                     </a:solidFill>
@@ -9305,7 +9507,7 @@
               </a:ln>
               <a:extLst>
                 <a:ext uri="{91240B29-F687-4f45-9708-019B960494DF}">
-                  <a14:hiddenLine xmlns="" xmlns:a14="http://schemas.microsoft.com/office/drawing/2010/main" w="9525">
+                  <a14:hiddenLine xmlns:a14="http://schemas.microsoft.com/office/drawing/2010/main" xmlns="" w="9525">
                     <a:solidFill>
                       <a:srgbClr val="000000"/>
                     </a:solidFill>
@@ -9395,7 +9597,7 @@
               </a:ln>
               <a:extLst>
                 <a:ext uri="{91240B29-F687-4f45-9708-019B960494DF}">
-                  <a14:hiddenLine xmlns="" xmlns:a14="http://schemas.microsoft.com/office/drawing/2010/main" w="9525">
+                  <a14:hiddenLine xmlns:a14="http://schemas.microsoft.com/office/drawing/2010/main" xmlns="" w="9525">
                     <a:solidFill>
                       <a:srgbClr val="000000"/>
                     </a:solidFill>
@@ -9457,7 +9659,7 @@
               </a:ln>
               <a:extLst>
                 <a:ext uri="{91240B29-F687-4f45-9708-019B960494DF}">
-                  <a14:hiddenLine xmlns="" xmlns:a14="http://schemas.microsoft.com/office/drawing/2010/main" w="9525">
+                  <a14:hiddenLine xmlns:a14="http://schemas.microsoft.com/office/drawing/2010/main" xmlns="" w="9525">
                     <a:solidFill>
                       <a:srgbClr val="000000"/>
                     </a:solidFill>
@@ -9519,7 +9721,7 @@
               </a:ln>
               <a:extLst>
                 <a:ext uri="{91240B29-F687-4f45-9708-019B960494DF}">
-                  <a14:hiddenLine xmlns="" xmlns:a14="http://schemas.microsoft.com/office/drawing/2010/main" w="9525">
+                  <a14:hiddenLine xmlns:a14="http://schemas.microsoft.com/office/drawing/2010/main" xmlns="" w="9525">
                     <a:solidFill>
                       <a:srgbClr val="000000"/>
                     </a:solidFill>
@@ -9609,7 +9811,7 @@
               </a:ln>
               <a:extLst>
                 <a:ext uri="{91240B29-F687-4f45-9708-019B960494DF}">
-                  <a14:hiddenLine xmlns="" xmlns:a14="http://schemas.microsoft.com/office/drawing/2010/main" w="9525">
+                  <a14:hiddenLine xmlns:a14="http://schemas.microsoft.com/office/drawing/2010/main" xmlns="" w="9525">
                     <a:solidFill>
                       <a:srgbClr val="000000"/>
                     </a:solidFill>
@@ -9699,7 +9901,7 @@
               </a:ln>
               <a:extLst>
                 <a:ext uri="{91240B29-F687-4f45-9708-019B960494DF}">
-                  <a14:hiddenLine xmlns="" xmlns:a14="http://schemas.microsoft.com/office/drawing/2010/main" w="9525">
+                  <a14:hiddenLine xmlns:a14="http://schemas.microsoft.com/office/drawing/2010/main" xmlns="" w="9525">
                     <a:solidFill>
                       <a:srgbClr val="000000"/>
                     </a:solidFill>
@@ -9761,7 +9963,7 @@
               </a:ln>
               <a:extLst>
                 <a:ext uri="{91240B29-F687-4f45-9708-019B960494DF}">
-                  <a14:hiddenLine xmlns="" xmlns:a14="http://schemas.microsoft.com/office/drawing/2010/main" w="9525">
+                  <a14:hiddenLine xmlns:a14="http://schemas.microsoft.com/office/drawing/2010/main" xmlns="" w="9525">
                     <a:solidFill>
                       <a:srgbClr val="000000"/>
                     </a:solidFill>
@@ -9871,7 +10073,7 @@
               </a:ln>
               <a:extLst>
                 <a:ext uri="{91240B29-F687-4f45-9708-019B960494DF}">
-                  <a14:hiddenLine xmlns="" xmlns:a14="http://schemas.microsoft.com/office/drawing/2010/main" w="9525">
+                  <a14:hiddenLine xmlns:a14="http://schemas.microsoft.com/office/drawing/2010/main" xmlns="" w="9525">
                     <a:solidFill>
                       <a:srgbClr val="000000"/>
                     </a:solidFill>
@@ -9955,7 +10157,7 @@
               </a:ln>
               <a:extLst>
                 <a:ext uri="{91240B29-F687-4f45-9708-019B960494DF}">
-                  <a14:hiddenLine xmlns="" xmlns:a14="http://schemas.microsoft.com/office/drawing/2010/main" w="9525">
+                  <a14:hiddenLine xmlns:a14="http://schemas.microsoft.com/office/drawing/2010/main" xmlns="" w="9525">
                     <a:solidFill>
                       <a:srgbClr val="000000"/>
                     </a:solidFill>
@@ -10017,7 +10219,7 @@
               </a:ln>
               <a:extLst>
                 <a:ext uri="{91240B29-F687-4f45-9708-019B960494DF}">
-                  <a14:hiddenLine xmlns="" xmlns:a14="http://schemas.microsoft.com/office/drawing/2010/main" w="9525">
+                  <a14:hiddenLine xmlns:a14="http://schemas.microsoft.com/office/drawing/2010/main" xmlns="" w="9525">
                     <a:solidFill>
                       <a:srgbClr val="000000"/>
                     </a:solidFill>
@@ -10079,7 +10281,7 @@
               </a:ln>
               <a:extLst>
                 <a:ext uri="{91240B29-F687-4f45-9708-019B960494DF}">
-                  <a14:hiddenLine xmlns="" xmlns:a14="http://schemas.microsoft.com/office/drawing/2010/main" w="9525">
+                  <a14:hiddenLine xmlns:a14="http://schemas.microsoft.com/office/drawing/2010/main" xmlns="" w="9525">
                     <a:solidFill>
                       <a:srgbClr val="000000"/>
                     </a:solidFill>
@@ -10169,7 +10371,7 @@
               </a:ln>
               <a:extLst>
                 <a:ext uri="{91240B29-F687-4f45-9708-019B960494DF}">
-                  <a14:hiddenLine xmlns="" xmlns:a14="http://schemas.microsoft.com/office/drawing/2010/main" w="9525">
+                  <a14:hiddenLine xmlns:a14="http://schemas.microsoft.com/office/drawing/2010/main" xmlns="" w="9525">
                     <a:solidFill>
                       <a:srgbClr val="000000"/>
                     </a:solidFill>
@@ -10203,7 +10405,7 @@
               </a:ln>
               <a:extLst>
                 <a:ext uri="{91240B29-F687-4f45-9708-019B960494DF}">
-                  <a14:hiddenLine xmlns="" xmlns:a14="http://schemas.microsoft.com/office/drawing/2010/main" w="9525">
+                  <a14:hiddenLine xmlns:a14="http://schemas.microsoft.com/office/drawing/2010/main" xmlns="" w="9525">
                     <a:solidFill>
                       <a:srgbClr val="000000"/>
                     </a:solidFill>
@@ -10268,7 +10470,7 @@
               </a:ln>
               <a:extLst>
                 <a:ext uri="{91240B29-F687-4f45-9708-019B960494DF}">
-                  <a14:hiddenLine xmlns="" xmlns:a14="http://schemas.microsoft.com/office/drawing/2010/main" w="9525">
+                  <a14:hiddenLine xmlns:a14="http://schemas.microsoft.com/office/drawing/2010/main" xmlns="" w="9525">
                     <a:solidFill>
                       <a:srgbClr val="000000"/>
                     </a:solidFill>
@@ -10358,7 +10560,7 @@
               </a:ln>
               <a:extLst>
                 <a:ext uri="{91240B29-F687-4f45-9708-019B960494DF}">
-                  <a14:hiddenLine xmlns="" xmlns:a14="http://schemas.microsoft.com/office/drawing/2010/main" w="9525">
+                  <a14:hiddenLine xmlns:a14="http://schemas.microsoft.com/office/drawing/2010/main" xmlns="" w="9525">
                     <a:solidFill>
                       <a:srgbClr val="000000"/>
                     </a:solidFill>
@@ -10420,7 +10622,7 @@
               </a:ln>
               <a:extLst>
                 <a:ext uri="{91240B29-F687-4f45-9708-019B960494DF}">
-                  <a14:hiddenLine xmlns="" xmlns:a14="http://schemas.microsoft.com/office/drawing/2010/main" w="9525">
+                  <a14:hiddenLine xmlns:a14="http://schemas.microsoft.com/office/drawing/2010/main" xmlns="" w="9525">
                     <a:solidFill>
                       <a:srgbClr val="000000"/>
                     </a:solidFill>
@@ -10510,7 +10712,7 @@
               </a:ln>
               <a:extLst>
                 <a:ext uri="{91240B29-F687-4f45-9708-019B960494DF}">
-                  <a14:hiddenLine xmlns="" xmlns:a14="http://schemas.microsoft.com/office/drawing/2010/main" w="9525">
+                  <a14:hiddenLine xmlns:a14="http://schemas.microsoft.com/office/drawing/2010/main" xmlns="" w="9525">
                     <a:solidFill>
                       <a:srgbClr val="000000"/>
                     </a:solidFill>
@@ -10575,7 +10777,7 @@
               </a:ln>
               <a:extLst>
                 <a:ext uri="{91240B29-F687-4f45-9708-019B960494DF}">
-                  <a14:hiddenLine xmlns="" xmlns:a14="http://schemas.microsoft.com/office/drawing/2010/main" w="9525">
+                  <a14:hiddenLine xmlns:a14="http://schemas.microsoft.com/office/drawing/2010/main" xmlns="" w="9525">
                     <a:solidFill>
                       <a:srgbClr val="000000"/>
                     </a:solidFill>
@@ -10637,7 +10839,7 @@
               </a:ln>
               <a:extLst>
                 <a:ext uri="{91240B29-F687-4f45-9708-019B960494DF}">
-                  <a14:hiddenLine xmlns="" xmlns:a14="http://schemas.microsoft.com/office/drawing/2010/main" w="9525">
+                  <a14:hiddenLine xmlns:a14="http://schemas.microsoft.com/office/drawing/2010/main" xmlns="" w="9525">
                     <a:solidFill>
                       <a:srgbClr val="000000"/>
                     </a:solidFill>
@@ -10727,7 +10929,7 @@
               </a:ln>
               <a:extLst>
                 <a:ext uri="{91240B29-F687-4f45-9708-019B960494DF}">
-                  <a14:hiddenLine xmlns="" xmlns:a14="http://schemas.microsoft.com/office/drawing/2010/main" w="9525">
+                  <a14:hiddenLine xmlns:a14="http://schemas.microsoft.com/office/drawing/2010/main" xmlns="" w="9525">
                     <a:solidFill>
                       <a:srgbClr val="000000"/>
                     </a:solidFill>
@@ -10817,7 +11019,7 @@
               </a:ln>
               <a:extLst>
                 <a:ext uri="{91240B29-F687-4f45-9708-019B960494DF}">
-                  <a14:hiddenLine xmlns="" xmlns:a14="http://schemas.microsoft.com/office/drawing/2010/main" w="9525">
+                  <a14:hiddenLine xmlns:a14="http://schemas.microsoft.com/office/drawing/2010/main" xmlns="" w="9525">
                     <a:solidFill>
                       <a:srgbClr val="000000"/>
                     </a:solidFill>
@@ -10882,7 +11084,7 @@
               </a:ln>
               <a:extLst>
                 <a:ext uri="{91240B29-F687-4f45-9708-019B960494DF}">
-                  <a14:hiddenLine xmlns="" xmlns:a14="http://schemas.microsoft.com/office/drawing/2010/main" w="9525">
+                  <a14:hiddenLine xmlns:a14="http://schemas.microsoft.com/office/drawing/2010/main" xmlns="" w="9525">
                     <a:solidFill>
                       <a:srgbClr val="000000"/>
                     </a:solidFill>
@@ -11002,7 +11204,7 @@
               </a:ln>
               <a:extLst>
                 <a:ext uri="{91240B29-F687-4f45-9708-019B960494DF}">
-                  <a14:hiddenLine xmlns="" xmlns:a14="http://schemas.microsoft.com/office/drawing/2010/main" w="9525">
+                  <a14:hiddenLine xmlns:a14="http://schemas.microsoft.com/office/drawing/2010/main" xmlns="" w="9525">
                     <a:solidFill>
                       <a:srgbClr val="000000"/>
                     </a:solidFill>
@@ -11083,7 +11285,7 @@
               </a:ln>
               <a:extLst>
                 <a:ext uri="{91240B29-F687-4f45-9708-019B960494DF}">
-                  <a14:hiddenLine xmlns="" xmlns:a14="http://schemas.microsoft.com/office/drawing/2010/main" w="9525">
+                  <a14:hiddenLine xmlns:a14="http://schemas.microsoft.com/office/drawing/2010/main" xmlns="" w="9525">
                     <a:solidFill>
                       <a:srgbClr val="000000"/>
                     </a:solidFill>
@@ -11198,7 +11400,7 @@
               </a:ln>
               <a:extLst>
                 <a:ext uri="{91240B29-F687-4f45-9708-019B960494DF}">
-                  <a14:hiddenLine xmlns="" xmlns:a14="http://schemas.microsoft.com/office/drawing/2010/main" w="9525">
+                  <a14:hiddenLine xmlns:a14="http://schemas.microsoft.com/office/drawing/2010/main" xmlns="" w="9525">
                     <a:solidFill>
                       <a:srgbClr val="000000"/>
                     </a:solidFill>
@@ -11288,7 +11490,7 @@
               </a:ln>
               <a:extLst>
                 <a:ext uri="{91240B29-F687-4f45-9708-019B960494DF}">
-                  <a14:hiddenLine xmlns="" xmlns:a14="http://schemas.microsoft.com/office/drawing/2010/main" w="9525">
+                  <a14:hiddenLine xmlns:a14="http://schemas.microsoft.com/office/drawing/2010/main" xmlns="" w="9525">
                     <a:solidFill>
                       <a:srgbClr val="000000"/>
                     </a:solidFill>
@@ -11353,7 +11555,7 @@
               </a:ln>
               <a:extLst>
                 <a:ext uri="{91240B29-F687-4f45-9708-019B960494DF}">
-                  <a14:hiddenLine xmlns="" xmlns:a14="http://schemas.microsoft.com/office/drawing/2010/main" w="9525">
+                  <a14:hiddenLine xmlns:a14="http://schemas.microsoft.com/office/drawing/2010/main" xmlns="" w="9525">
                     <a:solidFill>
                       <a:srgbClr val="000000"/>
                     </a:solidFill>
@@ -11443,7 +11645,7 @@
               </a:ln>
               <a:extLst>
                 <a:ext uri="{91240B29-F687-4f45-9708-019B960494DF}">
-                  <a14:hiddenLine xmlns="" xmlns:a14="http://schemas.microsoft.com/office/drawing/2010/main" w="9525">
+                  <a14:hiddenLine xmlns:a14="http://schemas.microsoft.com/office/drawing/2010/main" xmlns="" w="9525">
                     <a:solidFill>
                       <a:srgbClr val="000000"/>
                     </a:solidFill>
@@ -11511,7 +11713,7 @@
               </a:ln>
               <a:extLst>
                 <a:ext uri="{91240B29-F687-4f45-9708-019B960494DF}">
-                  <a14:hiddenLine xmlns="" xmlns:a14="http://schemas.microsoft.com/office/drawing/2010/main" w="9525">
+                  <a14:hiddenLine xmlns:a14="http://schemas.microsoft.com/office/drawing/2010/main" xmlns="" w="9525">
                     <a:solidFill>
                       <a:srgbClr val="000000"/>
                     </a:solidFill>
@@ -11601,7 +11803,7 @@
               </a:ln>
               <a:extLst>
                 <a:ext uri="{91240B29-F687-4f45-9708-019B960494DF}">
-                  <a14:hiddenLine xmlns="" xmlns:a14="http://schemas.microsoft.com/office/drawing/2010/main" w="9525">
+                  <a14:hiddenLine xmlns:a14="http://schemas.microsoft.com/office/drawing/2010/main" xmlns="" w="9525">
                     <a:solidFill>
                       <a:srgbClr val="000000"/>
                     </a:solidFill>
@@ -11669,7 +11871,7 @@
               </a:ln>
               <a:extLst>
                 <a:ext uri="{91240B29-F687-4f45-9708-019B960494DF}">
-                  <a14:hiddenLine xmlns="" xmlns:a14="http://schemas.microsoft.com/office/drawing/2010/main" w="9525">
+                  <a14:hiddenLine xmlns:a14="http://schemas.microsoft.com/office/drawing/2010/main" xmlns="" w="9525">
                     <a:solidFill>
                       <a:srgbClr val="000000"/>
                     </a:solidFill>
@@ -11759,7 +11961,7 @@
               </a:ln>
               <a:extLst>
                 <a:ext uri="{91240B29-F687-4f45-9708-019B960494DF}">
-                  <a14:hiddenLine xmlns="" xmlns:a14="http://schemas.microsoft.com/office/drawing/2010/main" w="9525">
+                  <a14:hiddenLine xmlns:a14="http://schemas.microsoft.com/office/drawing/2010/main" xmlns="" w="9525">
                     <a:solidFill>
                       <a:srgbClr val="000000"/>
                     </a:solidFill>
@@ -11793,7 +11995,7 @@
               </a:ln>
               <a:extLst>
                 <a:ext uri="{91240B29-F687-4f45-9708-019B960494DF}">
-                  <a14:hiddenLine xmlns="" xmlns:a14="http://schemas.microsoft.com/office/drawing/2010/main" w="9525">
+                  <a14:hiddenLine xmlns:a14="http://schemas.microsoft.com/office/drawing/2010/main" xmlns="" w="9525">
                     <a:solidFill>
                       <a:srgbClr val="000000"/>
                     </a:solidFill>
@@ -11934,7 +12136,7 @@
             <a:fld id="{48A87A34-81AB-432B-8DAE-1953F412C126}" type="datetimeFigureOut">
               <a:rPr lang="en-US" dirty="0"/>
               <a:pPr/>
-              <a:t>3/8/2015</a:t>
+              <a:t>3/22/2015</a:t>
             </a:fld>
             <a:endParaRPr lang="en-US" dirty="0"/>
           </a:p>
@@ -12041,6 +12243,18 @@
     <p:sldLayoutId id="2147483658" r:id="rId16"/>
     <p:sldLayoutId id="2147483659" r:id="rId17"/>
   </p:sldLayoutIdLst>
+  <mc:AlternateContent xmlns:mc="http://schemas.openxmlformats.org/markup-compatibility/2006">
+    <mc:Choice xmlns:p14="http://schemas.microsoft.com/office/powerpoint/2010/main" Requires="p14">
+      <p:transition spd="slow" p14:dur="1500">
+        <p:random/>
+      </p:transition>
+    </mc:Choice>
+    <mc:Fallback>
+      <p:transition spd="slow">
+        <p:random/>
+      </p:transition>
+    </mc:Fallback>
+  </mc:AlternateContent>
   <p:txStyles>
     <p:titleStyle>
       <a:lvl1pPr algn="l" defTabSz="914400" rtl="0" eaLnBrk="1" latinLnBrk="0" hangingPunct="1">
@@ -12461,158 +12675,29 @@
   <p:clrMapOvr>
     <a:masterClrMapping/>
   </p:clrMapOvr>
+  <mc:AlternateContent xmlns:mc="http://schemas.openxmlformats.org/markup-compatibility/2006">
+    <mc:Choice xmlns:p14="http://schemas.microsoft.com/office/powerpoint/2010/main" Requires="p14">
+      <p:transition spd="slow" p14:dur="1500">
+        <p:random/>
+      </p:transition>
+    </mc:Choice>
+    <mc:Fallback>
+      <p:transition spd="slow">
+        <p:random/>
+      </p:transition>
+    </mc:Fallback>
+  </mc:AlternateContent>
+  <p:timing>
+    <p:tnLst>
+      <p:par>
+        <p:cTn id="1" dur="indefinite" restart="never" nodeType="tmRoot"/>
+      </p:par>
+    </p:tnLst>
+  </p:timing>
 </p:sld>
 </file>
 
 <file path=ppt/slides/slide2.xml><?xml version="1.0" encoding="utf-8"?>
-<p:sld xmlns:a="http://schemas.openxmlformats.org/drawingml/2006/main" xmlns:r="http://schemas.openxmlformats.org/officeDocument/2006/relationships" xmlns:p="http://schemas.openxmlformats.org/presentationml/2006/main">
-  <p:cSld>
-    <p:spTree>
-      <p:nvGrpSpPr>
-        <p:cNvPr id="1" name=""/>
-        <p:cNvGrpSpPr/>
-        <p:nvPr/>
-      </p:nvGrpSpPr>
-      <p:grpSpPr>
-        <a:xfrm>
-          <a:off x="0" y="0"/>
-          <a:ext cx="0" cy="0"/>
-          <a:chOff x="0" y="0"/>
-          <a:chExt cx="0" cy="0"/>
-        </a:xfrm>
-      </p:grpSpPr>
-      <p:sp>
-        <p:nvSpPr>
-          <p:cNvPr id="2" name="Title 1"/>
-          <p:cNvSpPr>
-            <a:spLocks noGrp="1"/>
-          </p:cNvSpPr>
-          <p:nvPr>
-            <p:ph type="title"/>
-          </p:nvPr>
-        </p:nvSpPr>
-        <p:spPr/>
-        <p:txBody>
-          <a:bodyPr>
-            <a:normAutofit/>
-          </a:bodyPr>
-          <a:lstStyle/>
-          <a:p>
-            <a:pPr algn="ctr"/>
-            <a:r>
-              <a:rPr lang="en-US" sz="4800" b="1" dirty="0" smtClean="0"/>
-              <a:t>Why type 1 diabetes?</a:t>
-            </a:r>
-            <a:endParaRPr lang="en-US" sz="4800" b="1" dirty="0"/>
-          </a:p>
-        </p:txBody>
-      </p:sp>
-      <p:sp>
-        <p:nvSpPr>
-          <p:cNvPr id="3" name="Content Placeholder 2"/>
-          <p:cNvSpPr>
-            <a:spLocks noGrp="1"/>
-          </p:cNvSpPr>
-          <p:nvPr>
-            <p:ph idx="1"/>
-          </p:nvPr>
-        </p:nvSpPr>
-        <p:spPr>
-          <a:xfrm>
-            <a:off x="1141412" y="2249486"/>
-            <a:ext cx="9905999" cy="4608513"/>
-          </a:xfrm>
-        </p:spPr>
-        <p:txBody>
-          <a:bodyPr>
-            <a:noAutofit/>
-          </a:bodyPr>
-          <a:lstStyle/>
-          <a:p>
-            <a:r>
-              <a:rPr lang="en-US" sz="2800" dirty="0" smtClean="0"/>
-              <a:t>Hereditary</a:t>
-            </a:r>
-          </a:p>
-          <a:p>
-            <a:r>
-              <a:rPr lang="en-US" sz="2800" dirty="0" smtClean="0"/>
-              <a:t>Diagnosed at a young age</a:t>
-            </a:r>
-          </a:p>
-          <a:p>
-            <a:r>
-              <a:rPr lang="en-US" sz="2800" dirty="0" smtClean="0"/>
-              <a:t>Lots of individual oversight</a:t>
-            </a:r>
-          </a:p>
-          <a:p>
-            <a:pPr lvl="1"/>
-            <a:r>
-              <a:rPr lang="en-US" sz="2800" dirty="0" smtClean="0"/>
-              <a:t>daily injections of insulin</a:t>
-            </a:r>
-          </a:p>
-          <a:p>
-            <a:pPr lvl="1"/>
-            <a:r>
-              <a:rPr lang="en-US" sz="2800" dirty="0" smtClean="0"/>
-              <a:t>monitor blood glucose levels</a:t>
-            </a:r>
-          </a:p>
-          <a:p>
-            <a:pPr lvl="1"/>
-            <a:r>
-              <a:rPr lang="en-US" sz="2800" dirty="0" smtClean="0"/>
-              <a:t>nutrition and exercise)</a:t>
-            </a:r>
-          </a:p>
-        </p:txBody>
-      </p:sp>
-      <p:pic>
-        <p:nvPicPr>
-          <p:cNvPr id="4" name="Picture 3"/>
-          <p:cNvPicPr>
-            <a:picLocks noChangeAspect="1"/>
-          </p:cNvPicPr>
-          <p:nvPr/>
-        </p:nvPicPr>
-        <p:blipFill>
-          <a:blip r:embed="rId2">
-            <a:extLst>
-              <a:ext uri="{28A0092B-C50C-407E-A947-70E740481C1C}">
-                <a14:useLocalDpi xmlns:a14="http://schemas.microsoft.com/office/drawing/2010/main" val="0"/>
-              </a:ext>
-            </a:extLst>
-          </a:blip>
-          <a:stretch>
-            <a:fillRect/>
-          </a:stretch>
-        </p:blipFill>
-        <p:spPr>
-          <a:xfrm rot="460273">
-            <a:off x="7682477" y="2289955"/>
-            <a:ext cx="3134856" cy="3657332"/>
-          </a:xfrm>
-          <a:prstGeom prst="rect">
-            <a:avLst/>
-          </a:prstGeom>
-        </p:spPr>
-      </p:pic>
-    </p:spTree>
-    <p:extLst>
-      <p:ext uri="{BB962C8B-B14F-4D97-AF65-F5344CB8AC3E}">
-        <p14:creationId xmlns:p14="http://schemas.microsoft.com/office/powerpoint/2010/main" val="2774371544"/>
-      </p:ext>
-    </p:extLst>
-  </p:cSld>
-  <p:clrMapOvr>
-    <a:masterClrMapping/>
-  </p:clrMapOvr>
-</p:sld>
-</file>
-
-<file path=ppt/slides/slide3.xml><?xml version="1.0" encoding="utf-8"?>
 <p:sld xmlns:a="http://schemas.openxmlformats.org/drawingml/2006/main" xmlns:r="http://schemas.openxmlformats.org/officeDocument/2006/relationships" xmlns:p="http://schemas.openxmlformats.org/presentationml/2006/main">
   <p:cSld>
     <p:spTree>
@@ -12742,6 +12827,176 @@
   <p:clrMapOvr>
     <a:masterClrMapping/>
   </p:clrMapOvr>
+  <mc:AlternateContent xmlns:mc="http://schemas.openxmlformats.org/markup-compatibility/2006">
+    <mc:Choice xmlns:p14="http://schemas.microsoft.com/office/powerpoint/2010/main" Requires="p14">
+      <p:transition spd="slow" p14:dur="1500">
+        <p:random/>
+      </p:transition>
+    </mc:Choice>
+    <mc:Fallback>
+      <p:transition spd="slow">
+        <p:random/>
+      </p:transition>
+    </mc:Fallback>
+  </mc:AlternateContent>
+</p:sld>
+</file>
+
+<file path=ppt/slides/slide3.xml><?xml version="1.0" encoding="utf-8"?>
+<p:sld xmlns:a="http://schemas.openxmlformats.org/drawingml/2006/main" xmlns:r="http://schemas.openxmlformats.org/officeDocument/2006/relationships" xmlns:p="http://schemas.openxmlformats.org/presentationml/2006/main">
+  <p:cSld>
+    <p:spTree>
+      <p:nvGrpSpPr>
+        <p:cNvPr id="1" name=""/>
+        <p:cNvGrpSpPr/>
+        <p:nvPr/>
+      </p:nvGrpSpPr>
+      <p:grpSpPr>
+        <a:xfrm>
+          <a:off x="0" y="0"/>
+          <a:ext cx="0" cy="0"/>
+          <a:chOff x="0" y="0"/>
+          <a:chExt cx="0" cy="0"/>
+        </a:xfrm>
+      </p:grpSpPr>
+      <p:sp>
+        <p:nvSpPr>
+          <p:cNvPr id="2" name="Title 1"/>
+          <p:cNvSpPr>
+            <a:spLocks noGrp="1"/>
+          </p:cNvSpPr>
+          <p:nvPr>
+            <p:ph type="title"/>
+          </p:nvPr>
+        </p:nvSpPr>
+        <p:spPr/>
+        <p:txBody>
+          <a:bodyPr>
+            <a:normAutofit/>
+          </a:bodyPr>
+          <a:lstStyle/>
+          <a:p>
+            <a:pPr algn="ctr"/>
+            <a:r>
+              <a:rPr lang="en-US" sz="4800" b="1" dirty="0" smtClean="0"/>
+              <a:t>What we intend to do</a:t>
+            </a:r>
+            <a:endParaRPr lang="en-US" sz="4800" b="1" dirty="0"/>
+          </a:p>
+        </p:txBody>
+      </p:sp>
+      <p:sp>
+        <p:nvSpPr>
+          <p:cNvPr id="3" name="Content Placeholder 2"/>
+          <p:cNvSpPr>
+            <a:spLocks noGrp="1"/>
+          </p:cNvSpPr>
+          <p:nvPr>
+            <p:ph idx="1"/>
+          </p:nvPr>
+        </p:nvSpPr>
+        <p:spPr>
+          <a:xfrm>
+            <a:off x="1141412" y="2249486"/>
+            <a:ext cx="9905999" cy="4608513"/>
+          </a:xfrm>
+        </p:spPr>
+        <p:txBody>
+          <a:bodyPr>
+            <a:normAutofit/>
+          </a:bodyPr>
+          <a:lstStyle/>
+          <a:p>
+            <a:r>
+              <a:rPr lang="en-US" sz="2800" dirty="0" smtClean="0"/>
+              <a:t>Carb </a:t>
+            </a:r>
+            <a:r>
+              <a:rPr lang="en-US" sz="2800" dirty="0" smtClean="0"/>
+              <a:t>Counter</a:t>
+            </a:r>
+          </a:p>
+          <a:p>
+            <a:r>
+              <a:rPr lang="en-US" sz="2800" dirty="0" smtClean="0"/>
+              <a:t>Reminder of </a:t>
+            </a:r>
+            <a:r>
+              <a:rPr lang="en-US" sz="2800" dirty="0" smtClean="0"/>
+              <a:t>to take </a:t>
+            </a:r>
+            <a:r>
+              <a:rPr lang="en-US" sz="2800" dirty="0" smtClean="0"/>
+              <a:t>insulin</a:t>
+            </a:r>
+          </a:p>
+          <a:p>
+            <a:r>
+              <a:rPr lang="en-US" sz="2800" dirty="0" smtClean="0"/>
+              <a:t>Blood </a:t>
+            </a:r>
+            <a:r>
+              <a:rPr lang="en-US" sz="2800" dirty="0" smtClean="0"/>
+              <a:t>glucose checker</a:t>
+            </a:r>
+          </a:p>
+          <a:p>
+            <a:r>
+              <a:rPr lang="en-US" sz="2800" dirty="0" smtClean="0"/>
+              <a:t>Doctors </a:t>
+            </a:r>
+            <a:r>
+              <a:rPr lang="en-US" sz="2800" dirty="0" smtClean="0"/>
+              <a:t>visits</a:t>
+            </a:r>
+            <a:endParaRPr lang="en-US" sz="2800" dirty="0" smtClean="0"/>
+          </a:p>
+          <a:p>
+            <a:r>
+              <a:rPr lang="en-US" sz="2800" dirty="0" smtClean="0"/>
+              <a:t>Parents input the data </a:t>
+            </a:r>
+            <a:r>
+              <a:rPr lang="en-US" sz="2800" dirty="0" smtClean="0"/>
+              <a:t>and are notified when missed</a:t>
+            </a:r>
+            <a:endParaRPr lang="en-US" sz="2800" dirty="0" smtClean="0"/>
+          </a:p>
+          <a:p>
+            <a:r>
+              <a:rPr lang="en-US" sz="2800" dirty="0" smtClean="0"/>
+              <a:t>When a task is missed, parents are </a:t>
+            </a:r>
+            <a:r>
+              <a:rPr lang="en-US" sz="2800" dirty="0" smtClean="0"/>
+              <a:t>notified</a:t>
+            </a:r>
+            <a:endParaRPr lang="en-US" sz="2800" dirty="0" smtClean="0"/>
+          </a:p>
+        </p:txBody>
+      </p:sp>
+    </p:spTree>
+    <p:extLst>
+      <p:ext uri="{BB962C8B-B14F-4D97-AF65-F5344CB8AC3E}">
+        <p14:creationId xmlns:p14="http://schemas.microsoft.com/office/powerpoint/2010/main" val="1538704444"/>
+      </p:ext>
+    </p:extLst>
+  </p:cSld>
+  <p:clrMapOvr>
+    <a:masterClrMapping/>
+  </p:clrMapOvr>
+  <mc:AlternateContent xmlns:mc="http://schemas.openxmlformats.org/markup-compatibility/2006">
+    <mc:Choice xmlns:p14="http://schemas.microsoft.com/office/powerpoint/2010/main" Requires="p14">
+      <p:transition spd="slow" p14:dur="1500">
+        <p:random/>
+      </p:transition>
+    </mc:Choice>
+    <mc:Fallback>
+      <p:transition spd="slow">
+        <p:random/>
+      </p:transition>
+    </mc:Fallback>
+  </mc:AlternateContent>
 </p:sld>
 </file>
 
@@ -12782,7 +13037,7 @@
             <a:pPr algn="ctr"/>
             <a:r>
               <a:rPr lang="en-US" sz="4800" b="1" dirty="0" smtClean="0"/>
-              <a:t>What we intend to do</a:t>
+              <a:t>How we intend to do this</a:t>
             </a:r>
             <a:endParaRPr lang="en-US" sz="4800" b="1" dirty="0"/>
           </a:p>
@@ -12800,37 +13055,87 @@
         </p:nvSpPr>
         <p:spPr>
           <a:xfrm>
-            <a:off x="1141412" y="2249486"/>
-            <a:ext cx="9905999" cy="4608513"/>
+            <a:off x="1141412" y="2097088"/>
+            <a:ext cx="9905999" cy="4760912"/>
           </a:xfrm>
         </p:spPr>
         <p:txBody>
           <a:bodyPr>
-            <a:normAutofit/>
+            <a:noAutofit/>
           </a:bodyPr>
           <a:lstStyle/>
           <a:p>
             <a:r>
               <a:rPr lang="en-US" sz="2800" dirty="0" smtClean="0"/>
-              <a:t>Calorie Counter</a:t>
-            </a:r>
-          </a:p>
-          <a:p>
+              <a:t>Create mobile application game (eventually web interface)</a:t>
+            </a:r>
+          </a:p>
+          <a:p>
+            <a:r>
+              <a:rPr lang="en-US" sz="2800" dirty="0" err="1" smtClean="0"/>
+              <a:t>Gamify</a:t>
+            </a:r>
             <a:r>
               <a:rPr lang="en-US" sz="2800" dirty="0" smtClean="0"/>
-              <a:t>Reminder of taking insulin and blood glucose checker</a:t>
-            </a:r>
-          </a:p>
-          <a:p>
+              <a:t> </a:t>
+            </a:r>
+            <a:r>
+              <a:rPr lang="en-US" sz="2800" dirty="0"/>
+              <a:t>process</a:t>
+            </a:r>
+          </a:p>
+          <a:p>
+            <a:r>
+              <a:rPr lang="en-US" sz="2800" dirty="0"/>
+              <a:t>Create a pet that wins coins </a:t>
+            </a:r>
             <a:r>
               <a:rPr lang="en-US" sz="2800" dirty="0" smtClean="0"/>
-              <a:t>Doctors visits are included</a:t>
-            </a:r>
-          </a:p>
-          <a:p>
+              <a:t>by doing tasks</a:t>
+            </a:r>
+            <a:endParaRPr lang="en-US" sz="2800" dirty="0"/>
+          </a:p>
+          <a:p>
+            <a:pPr lvl="1"/>
+            <a:r>
+              <a:rPr lang="en-US" sz="2400" dirty="0"/>
+              <a:t>Tasks include </a:t>
+            </a:r>
+            <a:r>
+              <a:rPr lang="en-US" sz="2400" dirty="0" smtClean="0"/>
+              <a:t>aspects of disease monitoring such as </a:t>
+            </a:r>
+            <a:r>
+              <a:rPr lang="en-US" sz="2400" dirty="0" smtClean="0"/>
+              <a:t>carb </a:t>
+            </a:r>
+            <a:r>
+              <a:rPr lang="en-US" sz="2400" dirty="0" smtClean="0"/>
+              <a:t>counter</a:t>
+            </a:r>
+          </a:p>
+          <a:p>
+            <a:pPr lvl="1"/>
+            <a:r>
+              <a:rPr lang="en-US" sz="2400" dirty="0" smtClean="0"/>
+              <a:t>Coins can buy things for pet such as toys and accessories</a:t>
+            </a:r>
+            <a:endParaRPr lang="en-US" sz="2800" dirty="0"/>
+          </a:p>
+          <a:p>
+            <a:r>
+              <a:rPr lang="en-US" sz="2800" dirty="0"/>
+              <a:t>Interaction with parents through mini-games and </a:t>
+            </a:r>
             <a:r>
               <a:rPr lang="en-US" sz="2800" dirty="0" smtClean="0"/>
-              <a:t>Parents input the data (when they are supposed to take insulin, meet doctor, </a:t>
+              <a:t>gifts</a:t>
+            </a:r>
+          </a:p>
+          <a:p>
+            <a:r>
+              <a:rPr lang="en-US" sz="2800" dirty="0" smtClean="0"/>
+              <a:t>If patient misses a task, their pet responds accordingly (gets sad, hungry, </a:t>
             </a:r>
             <a:r>
               <a:rPr lang="en-US" sz="2800" dirty="0" err="1" smtClean="0"/>
@@ -12840,31 +13145,32 @@
               <a:rPr lang="en-US" sz="2800" dirty="0" smtClean="0"/>
               <a:t>)</a:t>
             </a:r>
-          </a:p>
-          <a:p>
-            <a:r>
-              <a:rPr lang="en-US" sz="2800" dirty="0" smtClean="0"/>
-              <a:t>When a task is missed, parents are notified</a:t>
-            </a:r>
-          </a:p>
-          <a:p>
-            <a:r>
-              <a:rPr lang="en-US" sz="2800" dirty="0" smtClean="0"/>
-              <a:t>Loading screen contains fun facts about Type 1 diabetes on it</a:t>
-            </a:r>
+            <a:endParaRPr lang="en-US" sz="2800" dirty="0"/>
           </a:p>
         </p:txBody>
       </p:sp>
     </p:spTree>
     <p:extLst>
       <p:ext uri="{BB962C8B-B14F-4D97-AF65-F5344CB8AC3E}">
-        <p14:creationId xmlns:p14="http://schemas.microsoft.com/office/powerpoint/2010/main" val="1538704444"/>
+        <p14:creationId xmlns:p14="http://schemas.microsoft.com/office/powerpoint/2010/main" val="2050082951"/>
       </p:ext>
     </p:extLst>
   </p:cSld>
   <p:clrMapOvr>
     <a:masterClrMapping/>
   </p:clrMapOvr>
+  <mc:AlternateContent xmlns:mc="http://schemas.openxmlformats.org/markup-compatibility/2006">
+    <mc:Choice xmlns:p14="http://schemas.microsoft.com/office/powerpoint/2010/main" Requires="p14">
+      <p:transition spd="slow" p14:dur="1500">
+        <p:random/>
+      </p:transition>
+    </mc:Choice>
+    <mc:Fallback>
+      <p:transition spd="slow">
+        <p:random/>
+      </p:transition>
+    </mc:Fallback>
+  </mc:AlternateContent>
 </p:sld>
 </file>
 
@@ -12905,160 +13211,6 @@
             <a:pPr algn="ctr"/>
             <a:r>
               <a:rPr lang="en-US" sz="4800" b="1" dirty="0" smtClean="0"/>
-              <a:t>How we intend to do this</a:t>
-            </a:r>
-            <a:endParaRPr lang="en-US" sz="4800" b="1" dirty="0"/>
-          </a:p>
-        </p:txBody>
-      </p:sp>
-      <p:sp>
-        <p:nvSpPr>
-          <p:cNvPr id="3" name="Content Placeholder 2"/>
-          <p:cNvSpPr>
-            <a:spLocks noGrp="1"/>
-          </p:cNvSpPr>
-          <p:nvPr>
-            <p:ph idx="1"/>
-          </p:nvPr>
-        </p:nvSpPr>
-        <p:spPr>
-          <a:xfrm>
-            <a:off x="1141412" y="2097088"/>
-            <a:ext cx="9905999" cy="4760912"/>
-          </a:xfrm>
-        </p:spPr>
-        <p:txBody>
-          <a:bodyPr>
-            <a:noAutofit/>
-          </a:bodyPr>
-          <a:lstStyle/>
-          <a:p>
-            <a:r>
-              <a:rPr lang="en-US" sz="2800" dirty="0" smtClean="0"/>
-              <a:t>Create mobile application game (eventually web interface)</a:t>
-            </a:r>
-          </a:p>
-          <a:p>
-            <a:r>
-              <a:rPr lang="en-US" sz="2800" dirty="0" err="1" smtClean="0"/>
-              <a:t>Gamify</a:t>
-            </a:r>
-            <a:r>
-              <a:rPr lang="en-US" sz="2800" dirty="0" smtClean="0"/>
-              <a:t> </a:t>
-            </a:r>
-            <a:r>
-              <a:rPr lang="en-US" sz="2800" dirty="0"/>
-              <a:t>process</a:t>
-            </a:r>
-          </a:p>
-          <a:p>
-            <a:r>
-              <a:rPr lang="en-US" sz="2800" dirty="0"/>
-              <a:t>Create a pet that wins coins </a:t>
-            </a:r>
-            <a:r>
-              <a:rPr lang="en-US" sz="2800" dirty="0" smtClean="0"/>
-              <a:t>by doing tasks</a:t>
-            </a:r>
-            <a:endParaRPr lang="en-US" sz="2800" dirty="0"/>
-          </a:p>
-          <a:p>
-            <a:pPr lvl="1"/>
-            <a:r>
-              <a:rPr lang="en-US" sz="2400" dirty="0"/>
-              <a:t>Tasks include </a:t>
-            </a:r>
-            <a:r>
-              <a:rPr lang="en-US" sz="2400" dirty="0" smtClean="0"/>
-              <a:t>aspects of disease monitoring such as calorie counter</a:t>
-            </a:r>
-          </a:p>
-          <a:p>
-            <a:pPr lvl="1"/>
-            <a:r>
-              <a:rPr lang="en-US" sz="2400" dirty="0" smtClean="0"/>
-              <a:t>Coins can buy things for pet such as toys and accessories</a:t>
-            </a:r>
-            <a:endParaRPr lang="en-US" sz="2800" dirty="0"/>
-          </a:p>
-          <a:p>
-            <a:r>
-              <a:rPr lang="en-US" sz="2800" dirty="0"/>
-              <a:t>Interaction with parents through mini-games and </a:t>
-            </a:r>
-            <a:r>
-              <a:rPr lang="en-US" sz="2800" dirty="0" smtClean="0"/>
-              <a:t>gifts</a:t>
-            </a:r>
-          </a:p>
-          <a:p>
-            <a:r>
-              <a:rPr lang="en-US" sz="2800" dirty="0" smtClean="0"/>
-              <a:t>If patient misses a task, their pet responds accordingly (gets sad, hungry, </a:t>
-            </a:r>
-            <a:r>
-              <a:rPr lang="en-US" sz="2800" dirty="0" err="1" smtClean="0"/>
-              <a:t>etc</a:t>
-            </a:r>
-            <a:r>
-              <a:rPr lang="en-US" sz="2800" dirty="0" smtClean="0"/>
-              <a:t>)</a:t>
-            </a:r>
-            <a:endParaRPr lang="en-US" sz="2800" dirty="0"/>
-          </a:p>
-        </p:txBody>
-      </p:sp>
-    </p:spTree>
-    <p:extLst>
-      <p:ext uri="{BB962C8B-B14F-4D97-AF65-F5344CB8AC3E}">
-        <p14:creationId xmlns:p14="http://schemas.microsoft.com/office/powerpoint/2010/main" val="2050082951"/>
-      </p:ext>
-    </p:extLst>
-  </p:cSld>
-  <p:clrMapOvr>
-    <a:masterClrMapping/>
-  </p:clrMapOvr>
-</p:sld>
-</file>
-
-<file path=ppt/slides/slide6.xml><?xml version="1.0" encoding="utf-8"?>
-<p:sld xmlns:a="http://schemas.openxmlformats.org/drawingml/2006/main" xmlns:r="http://schemas.openxmlformats.org/officeDocument/2006/relationships" xmlns:p="http://schemas.openxmlformats.org/presentationml/2006/main">
-  <p:cSld>
-    <p:spTree>
-      <p:nvGrpSpPr>
-        <p:cNvPr id="1" name=""/>
-        <p:cNvGrpSpPr/>
-        <p:nvPr/>
-      </p:nvGrpSpPr>
-      <p:grpSpPr>
-        <a:xfrm>
-          <a:off x="0" y="0"/>
-          <a:ext cx="0" cy="0"/>
-          <a:chOff x="0" y="0"/>
-          <a:chExt cx="0" cy="0"/>
-        </a:xfrm>
-      </p:grpSpPr>
-      <p:sp>
-        <p:nvSpPr>
-          <p:cNvPr id="2" name="Title 1"/>
-          <p:cNvSpPr>
-            <a:spLocks noGrp="1"/>
-          </p:cNvSpPr>
-          <p:nvPr>
-            <p:ph type="title"/>
-          </p:nvPr>
-        </p:nvSpPr>
-        <p:spPr/>
-        <p:txBody>
-          <a:bodyPr>
-            <a:normAutofit/>
-          </a:bodyPr>
-          <a:lstStyle/>
-          <a:p>
-            <a:pPr algn="ctr"/>
-            <a:r>
-              <a:rPr lang="en-US" sz="4800" b="1" dirty="0" smtClean="0"/>
               <a:t>This semester</a:t>
             </a:r>
             <a:endParaRPr lang="en-US" sz="4800" b="1" dirty="0"/>
@@ -13109,7 +13261,11 @@
             <a:pPr lvl="1"/>
             <a:r>
               <a:rPr lang="en-US" sz="2800" dirty="0" smtClean="0"/>
-              <a:t>Calorie counter feature</a:t>
+              <a:t>Carb </a:t>
+            </a:r>
+            <a:r>
+              <a:rPr lang="en-US" sz="2800" dirty="0" smtClean="0"/>
+              <a:t>counter feature</a:t>
             </a:r>
           </a:p>
           <a:p>
@@ -13162,117 +13318,18 @@
   <p:clrMapOvr>
     <a:masterClrMapping/>
   </p:clrMapOvr>
-</p:sld>
-</file>
-
-<file path=ppt/slides/slide7.xml><?xml version="1.0" encoding="utf-8"?>
-<p:sld xmlns:a="http://schemas.openxmlformats.org/drawingml/2006/main" xmlns:r="http://schemas.openxmlformats.org/officeDocument/2006/relationships" xmlns:p="http://schemas.openxmlformats.org/presentationml/2006/main">
-  <p:cSld>
-    <p:spTree>
-      <p:nvGrpSpPr>
-        <p:cNvPr id="1" name=""/>
-        <p:cNvGrpSpPr/>
-        <p:nvPr/>
-      </p:nvGrpSpPr>
-      <p:grpSpPr>
-        <a:xfrm>
-          <a:off x="0" y="0"/>
-          <a:ext cx="0" cy="0"/>
-          <a:chOff x="0" y="0"/>
-          <a:chExt cx="0" cy="0"/>
-        </a:xfrm>
-      </p:grpSpPr>
-      <p:sp>
-        <p:nvSpPr>
-          <p:cNvPr id="2" name="Title 1"/>
-          <p:cNvSpPr>
-            <a:spLocks noGrp="1"/>
-          </p:cNvSpPr>
-          <p:nvPr>
-            <p:ph type="title"/>
-          </p:nvPr>
-        </p:nvSpPr>
-        <p:spPr/>
-        <p:txBody>
-          <a:bodyPr>
-            <a:normAutofit/>
-          </a:bodyPr>
-          <a:lstStyle/>
-          <a:p>
-            <a:pPr algn="ctr"/>
-            <a:r>
-              <a:rPr lang="en-US" sz="4800" b="1" dirty="0" smtClean="0"/>
-              <a:t>Information we need</a:t>
-            </a:r>
-            <a:endParaRPr lang="en-US" sz="4800" b="1" dirty="0"/>
-          </a:p>
-        </p:txBody>
-      </p:sp>
-      <p:sp>
-        <p:nvSpPr>
-          <p:cNvPr id="3" name="Content Placeholder 2"/>
-          <p:cNvSpPr>
-            <a:spLocks noGrp="1"/>
-          </p:cNvSpPr>
-          <p:nvPr>
-            <p:ph idx="1"/>
-          </p:nvPr>
-        </p:nvSpPr>
-        <p:spPr>
-          <a:xfrm>
-            <a:off x="1141412" y="2240860"/>
-            <a:ext cx="9905999" cy="4608513"/>
-          </a:xfrm>
-        </p:spPr>
-        <p:txBody>
-          <a:bodyPr>
-            <a:noAutofit/>
-          </a:bodyPr>
-          <a:lstStyle/>
-          <a:p>
-            <a:r>
-              <a:rPr lang="en-US" sz="2800" dirty="0" smtClean="0"/>
-              <a:t>What is easy and difficult for these individuals?</a:t>
-            </a:r>
-          </a:p>
-          <a:p>
-            <a:r>
-              <a:rPr lang="en-US" sz="2800" dirty="0" smtClean="0"/>
-              <a:t>What current/past techniques are effective? Ineffective?</a:t>
-            </a:r>
-          </a:p>
-          <a:p>
-            <a:r>
-              <a:rPr lang="en-US" sz="2800" dirty="0" smtClean="0"/>
-              <a:t>What aspects are important for the calorie counter?</a:t>
-            </a:r>
-          </a:p>
-          <a:p>
-            <a:pPr lvl="1"/>
-            <a:r>
-              <a:rPr lang="en-US" sz="2800" dirty="0" smtClean="0"/>
-              <a:t>What is the best view for the calorie counter? Daily, weekly, monthly?</a:t>
-            </a:r>
-          </a:p>
-          <a:p>
-            <a:pPr lvl="1"/>
-            <a:r>
-              <a:rPr lang="en-US" sz="2800" dirty="0" smtClean="0"/>
-              <a:t>How do people know how many calories are in an item right now?</a:t>
-            </a:r>
-          </a:p>
-        </p:txBody>
-      </p:sp>
-    </p:spTree>
-    <p:extLst>
-      <p:ext uri="{BB962C8B-B14F-4D97-AF65-F5344CB8AC3E}">
-        <p14:creationId xmlns:p14="http://schemas.microsoft.com/office/powerpoint/2010/main" val="903703519"/>
-      </p:ext>
-    </p:extLst>
-  </p:cSld>
-  <p:clrMapOvr>
-    <a:masterClrMapping/>
-  </p:clrMapOvr>
+  <mc:AlternateContent xmlns:mc="http://schemas.openxmlformats.org/markup-compatibility/2006">
+    <mc:Choice xmlns:p14="http://schemas.microsoft.com/office/powerpoint/2010/main" Requires="p14">
+      <p:transition spd="slow" p14:dur="1500">
+        <p:random/>
+      </p:transition>
+    </mc:Choice>
+    <mc:Fallback>
+      <p:transition spd="slow">
+        <p:random/>
+      </p:transition>
+    </mc:Fallback>
+  </mc:AlternateContent>
 </p:sld>
 </file>
 
